--- a/java project.pptx
+++ b/java project.pptx
@@ -15,6 +15,9 @@
     <p:sldId id="263" r:id="rId23"/>
     <p:sldId id="264" r:id="rId24"/>
     <p:sldId id="265" r:id="rId25"/>
+    <p:sldId id="266" r:id="rId26"/>
+    <p:sldId id="267" r:id="rId27"/>
+    <p:sldId id="268" r:id="rId28"/>
   </p:sldIdLst>
   <p:sldSz cx="18288000" cy="10287000"/>
   <p:notesSz cx="6858000" cy="9144000"/>
@@ -3351,7 +3354,7 @@
         </p:nvGrpSpPr>
         <p:grpSpPr>
           <a:xfrm rot="0">
-            <a:off x="11181090" y="6354507"/>
+            <a:off x="11814808" y="6709589"/>
             <a:ext cx="6241236" cy="6241236"/>
             <a:chOff x="0" y="0"/>
             <a:chExt cx="6350000" cy="6350000"/>
@@ -3962,8 +3965,8 @@
         </p:nvSpPr>
         <p:spPr>
           <a:xfrm rot="0">
-            <a:off x="4682092" y="521133"/>
-            <a:ext cx="9157171" cy="563880"/>
+            <a:off x="4682092" y="137275"/>
+            <a:ext cx="9157171" cy="1264920"/>
           </a:xfrm>
           <a:prstGeom prst="rect">
             <a:avLst/>
@@ -3977,15 +3980,15 @@
           <a:p>
             <a:pPr algn="ctr">
               <a:lnSpc>
-                <a:spcPts val="4620"/>
+                <a:spcPts val="10079"/>
               </a:lnSpc>
             </a:pPr>
             <a:r>
-              <a:rPr lang="en-US" sz="3300">
+              <a:rPr lang="en-US" sz="7199">
                 <a:solidFill>
                   <a:srgbClr val="FFFFFF"/>
                 </a:solidFill>
-                <a:latin typeface="Breul Grotesk Light"/>
+                <a:latin typeface="Breul Grotesk Light Bold"/>
               </a:rPr>
               <a:t>JAVA PROJECT</a:t>
             </a:r>
@@ -4001,6 +4004,1077 @@
 </file>
 
 <file path=ppt/slides/slide10.xml><?xml version="1.0" encoding="utf-8"?>
+<p:sld xmlns:p="http://schemas.openxmlformats.org/presentationml/2006/main" xmlns:a="http://schemas.openxmlformats.org/drawingml/2006/main" xmlns:r="http://schemas.openxmlformats.org/officeDocument/2006/relationships">
+  <p:cSld>
+    <p:bg>
+      <p:bgPr>
+        <a:solidFill>
+          <a:srgbClr val="2015E8"/>
+        </a:solidFill>
+      </p:bgPr>
+    </p:bg>
+    <p:spTree>
+      <p:nvGrpSpPr>
+        <p:cNvPr id="1" name=""/>
+        <p:cNvGrpSpPr/>
+        <p:nvPr/>
+      </p:nvGrpSpPr>
+      <p:grpSpPr>
+        <a:xfrm>
+          <a:off x="0" y="0"/>
+          <a:ext cx="0" cy="0"/>
+          <a:chOff x="0" y="0"/>
+          <a:chExt cx="0" cy="0"/>
+        </a:xfrm>
+      </p:grpSpPr>
+      <p:sp>
+        <p:nvSpPr>
+          <p:cNvPr name="TextBox 2" id="2"/>
+          <p:cNvSpPr txBox="true"/>
+          <p:nvPr/>
+        </p:nvSpPr>
+        <p:spPr>
+          <a:xfrm rot="0">
+            <a:off x="1028700" y="209833"/>
+            <a:ext cx="8270611" cy="1061720"/>
+          </a:xfrm>
+          <a:prstGeom prst="rect">
+            <a:avLst/>
+          </a:prstGeom>
+        </p:spPr>
+        <p:txBody>
+          <a:bodyPr anchor="t" rtlCol="false" tIns="0" lIns="0" bIns="0" rIns="0">
+            <a:spAutoFit/>
+          </a:bodyPr>
+          <a:lstStyle/>
+          <a:p>
+            <a:pPr>
+              <a:lnSpc>
+                <a:spcPts val="8680"/>
+              </a:lnSpc>
+            </a:pPr>
+            <a:r>
+              <a:rPr lang="en-US" sz="6200">
+                <a:solidFill>
+                  <a:srgbClr val="D8990F"/>
+                </a:solidFill>
+                <a:latin typeface="Monument"/>
+              </a:rPr>
+              <a:t>WORKING</a:t>
+            </a:r>
+          </a:p>
+        </p:txBody>
+      </p:sp>
+      <p:pic>
+        <p:nvPicPr>
+          <p:cNvPr name="Picture 3" id="3"/>
+          <p:cNvPicPr>
+            <a:picLocks noChangeAspect="true"/>
+          </p:cNvPicPr>
+          <p:nvPr/>
+        </p:nvPicPr>
+        <p:blipFill>
+          <a:blip r:embed="rId2">
+            <a:extLst>
+              <a:ext uri="{28A0092B-C50C-407E-A947-70E740481C1C}">
+                <a14:useLocalDpi xmlns:a14="http://schemas.microsoft.com/office/drawing/2010/main" val="0"/>
+              </a:ext>
+              <a:ext uri="{96DAC541-7B7A-43D3-8B79-37D633B846F1}">
+                <asvg:svgBlip xmlns:asvg="http://schemas.microsoft.com/office/drawing/2016/SVG/main" r:embed="rId3"/>
+              </a:ext>
+            </a:extLst>
+          </a:blip>
+          <a:srcRect l="0" t="0" r="0" b="0"/>
+          <a:stretch>
+            <a:fillRect/>
+          </a:stretch>
+        </p:blipFill>
+        <p:spPr>
+          <a:xfrm flipH="false" flipV="false" rot="0">
+            <a:off x="7322736" y="785847"/>
+            <a:ext cx="485706" cy="485706"/>
+          </a:xfrm>
+          <a:prstGeom prst="rect">
+            <a:avLst/>
+          </a:prstGeom>
+        </p:spPr>
+      </p:pic>
+      <p:pic>
+        <p:nvPicPr>
+          <p:cNvPr name="Picture 4" id="4"/>
+          <p:cNvPicPr>
+            <a:picLocks noChangeAspect="true"/>
+          </p:cNvPicPr>
+          <p:nvPr/>
+        </p:nvPicPr>
+        <p:blipFill>
+          <a:blip r:embed="rId2">
+            <a:extLst>
+              <a:ext uri="{28A0092B-C50C-407E-A947-70E740481C1C}">
+                <a14:useLocalDpi xmlns:a14="http://schemas.microsoft.com/office/drawing/2010/main" val="0"/>
+              </a:ext>
+              <a:ext uri="{96DAC541-7B7A-43D3-8B79-37D633B846F1}">
+                <asvg:svgBlip xmlns:asvg="http://schemas.microsoft.com/office/drawing/2016/SVG/main" r:embed="rId3"/>
+              </a:ext>
+            </a:extLst>
+          </a:blip>
+          <a:srcRect l="0" t="0" r="0" b="0"/>
+          <a:stretch>
+            <a:fillRect/>
+          </a:stretch>
+        </p:blipFill>
+        <p:spPr>
+          <a:xfrm flipH="false" flipV="false" rot="0">
+            <a:off x="17137874" y="542994"/>
+            <a:ext cx="242853" cy="242853"/>
+          </a:xfrm>
+          <a:prstGeom prst="rect">
+            <a:avLst/>
+          </a:prstGeom>
+        </p:spPr>
+      </p:pic>
+      <p:pic>
+        <p:nvPicPr>
+          <p:cNvPr name="Picture 5" id="5"/>
+          <p:cNvPicPr>
+            <a:picLocks noChangeAspect="true"/>
+          </p:cNvPicPr>
+          <p:nvPr/>
+        </p:nvPicPr>
+        <p:blipFill>
+          <a:blip r:embed="rId4"/>
+          <a:srcRect l="0" t="0" r="0" b="0"/>
+          <a:stretch>
+            <a:fillRect/>
+          </a:stretch>
+        </p:blipFill>
+        <p:spPr>
+          <a:xfrm flipH="false" flipV="false" rot="0">
+            <a:off x="1595013" y="1271553"/>
+            <a:ext cx="13308146" cy="2707224"/>
+          </a:xfrm>
+          <a:prstGeom prst="rect">
+            <a:avLst/>
+          </a:prstGeom>
+        </p:spPr>
+      </p:pic>
+      <p:pic>
+        <p:nvPicPr>
+          <p:cNvPr name="Picture 6" id="6"/>
+          <p:cNvPicPr>
+            <a:picLocks noChangeAspect="true"/>
+          </p:cNvPicPr>
+          <p:nvPr/>
+        </p:nvPicPr>
+        <p:blipFill>
+          <a:blip r:embed="rId5"/>
+          <a:srcRect l="0" t="0" r="0" b="0"/>
+          <a:stretch>
+            <a:fillRect/>
+          </a:stretch>
+        </p:blipFill>
+        <p:spPr>
+          <a:xfrm flipH="false" flipV="false" rot="0">
+            <a:off x="1595013" y="4396943"/>
+            <a:ext cx="10132439" cy="5256998"/>
+          </a:xfrm>
+          <a:prstGeom prst="rect">
+            <a:avLst/>
+          </a:prstGeom>
+        </p:spPr>
+      </p:pic>
+    </p:spTree>
+  </p:cSld>
+  <p:clrMapOvr>
+    <a:masterClrMapping/>
+  </p:clrMapOvr>
+</p:sld>
+</file>
+
+<file path=ppt/slides/slide11.xml><?xml version="1.0" encoding="utf-8"?>
+<p:sld xmlns:p="http://schemas.openxmlformats.org/presentationml/2006/main" xmlns:a="http://schemas.openxmlformats.org/drawingml/2006/main" xmlns:r="http://schemas.openxmlformats.org/officeDocument/2006/relationships">
+  <p:cSld>
+    <p:bg>
+      <p:bgPr>
+        <a:solidFill>
+          <a:srgbClr val="2015E8"/>
+        </a:solidFill>
+      </p:bgPr>
+    </p:bg>
+    <p:spTree>
+      <p:nvGrpSpPr>
+        <p:cNvPr id="1" name=""/>
+        <p:cNvGrpSpPr/>
+        <p:nvPr/>
+      </p:nvGrpSpPr>
+      <p:grpSpPr>
+        <a:xfrm>
+          <a:off x="0" y="0"/>
+          <a:ext cx="0" cy="0"/>
+          <a:chOff x="0" y="0"/>
+          <a:chExt cx="0" cy="0"/>
+        </a:xfrm>
+      </p:grpSpPr>
+      <p:grpSp>
+        <p:nvGrpSpPr>
+          <p:cNvPr name="Group 2" id="2"/>
+          <p:cNvGrpSpPr/>
+          <p:nvPr/>
+        </p:nvGrpSpPr>
+        <p:grpSpPr>
+          <a:xfrm rot="0">
+            <a:off x="10594029" y="421804"/>
+            <a:ext cx="6984083" cy="6984083"/>
+            <a:chOff x="0" y="0"/>
+            <a:chExt cx="6350000" cy="6350000"/>
+          </a:xfrm>
+        </p:grpSpPr>
+        <p:sp>
+          <p:nvSpPr>
+            <p:cNvPr name="Freeform 3" id="3"/>
+            <p:cNvSpPr/>
+            <p:nvPr/>
+          </p:nvSpPr>
+          <p:spPr>
+            <a:xfrm>
+              <a:off x="14167" y="0"/>
+              <a:ext cx="6321665" cy="6350000"/>
+            </a:xfrm>
+            <a:custGeom>
+              <a:avLst/>
+              <a:gdLst/>
+              <a:ahLst/>
+              <a:cxnLst/>
+              <a:rect r="r" b="b" t="t" l="l"/>
+              <a:pathLst>
+                <a:path h="6350000" w="6321665">
+                  <a:moveTo>
+                    <a:pt x="3160833" y="0"/>
+                  </a:moveTo>
+                  <a:lnTo>
+                    <a:pt x="3160833" y="0"/>
+                  </a:lnTo>
+                  <a:cubicBezTo>
+                    <a:pt x="4908795" y="7817"/>
+                    <a:pt x="6321666" y="1427021"/>
+                    <a:pt x="6321666" y="3175000"/>
+                  </a:cubicBezTo>
+                  <a:cubicBezTo>
+                    <a:pt x="6321666" y="4922979"/>
+                    <a:pt x="4908795" y="6342183"/>
+                    <a:pt x="3160833" y="6350000"/>
+                  </a:cubicBezTo>
+                  <a:cubicBezTo>
+                    <a:pt x="1412871" y="6342183"/>
+                    <a:pt x="0" y="4922979"/>
+                    <a:pt x="0" y="3175000"/>
+                  </a:cubicBezTo>
+                  <a:cubicBezTo>
+                    <a:pt x="0" y="1427021"/>
+                    <a:pt x="1412871" y="7817"/>
+                    <a:pt x="3160833" y="0"/>
+                  </a:cubicBezTo>
+                  <a:close/>
+                </a:path>
+              </a:pathLst>
+            </a:custGeom>
+            <a:solidFill>
+              <a:srgbClr val="D8990F"/>
+            </a:solidFill>
+          </p:spPr>
+        </p:sp>
+      </p:grpSp>
+      <p:grpSp>
+        <p:nvGrpSpPr>
+          <p:cNvPr name="Group 4" id="4"/>
+          <p:cNvGrpSpPr>
+            <a:grpSpLocks noChangeAspect="true"/>
+          </p:cNvGrpSpPr>
+          <p:nvPr/>
+        </p:nvGrpSpPr>
+        <p:grpSpPr>
+          <a:xfrm rot="0">
+            <a:off x="1752831" y="421804"/>
+            <a:ext cx="12333240" cy="9902249"/>
+            <a:chOff x="0" y="0"/>
+            <a:chExt cx="7467600" cy="5995670"/>
+          </a:xfrm>
+        </p:grpSpPr>
+        <p:sp>
+          <p:nvSpPr>
+            <p:cNvPr name="Freeform 5" id="5"/>
+            <p:cNvSpPr/>
+            <p:nvPr/>
+          </p:nvSpPr>
+          <p:spPr>
+            <a:xfrm>
+              <a:off x="0" y="0"/>
+              <a:ext cx="7467600" cy="4513580"/>
+            </a:xfrm>
+            <a:custGeom>
+              <a:avLst/>
+              <a:gdLst/>
+              <a:ahLst/>
+              <a:cxnLst/>
+              <a:rect r="r" b="b" t="t" l="l"/>
+              <a:pathLst>
+                <a:path h="4513580" w="7467600">
+                  <a:moveTo>
+                    <a:pt x="7127240" y="0"/>
+                  </a:moveTo>
+                  <a:lnTo>
+                    <a:pt x="340360" y="0"/>
+                  </a:lnTo>
+                  <a:cubicBezTo>
+                    <a:pt x="152400" y="0"/>
+                    <a:pt x="0" y="152400"/>
+                    <a:pt x="0" y="340360"/>
+                  </a:cubicBezTo>
+                  <a:lnTo>
+                    <a:pt x="0" y="4513580"/>
+                  </a:lnTo>
+                  <a:lnTo>
+                    <a:pt x="7467600" y="4513580"/>
+                  </a:lnTo>
+                  <a:lnTo>
+                    <a:pt x="7467600" y="340360"/>
+                  </a:lnTo>
+                  <a:cubicBezTo>
+                    <a:pt x="7467600" y="152400"/>
+                    <a:pt x="7315200" y="0"/>
+                    <a:pt x="7127240" y="0"/>
+                  </a:cubicBezTo>
+                  <a:close/>
+                  <a:moveTo>
+                    <a:pt x="7142480" y="4188460"/>
+                  </a:moveTo>
+                  <a:lnTo>
+                    <a:pt x="314961" y="4188460"/>
+                  </a:lnTo>
+                  <a:lnTo>
+                    <a:pt x="314961" y="353060"/>
+                  </a:lnTo>
+                  <a:lnTo>
+                    <a:pt x="7142480" y="353060"/>
+                  </a:lnTo>
+                  <a:lnTo>
+                    <a:pt x="7142480" y="4188460"/>
+                  </a:lnTo>
+                  <a:close/>
+                </a:path>
+              </a:pathLst>
+            </a:custGeom>
+            <a:solidFill>
+              <a:srgbClr val="FFFFFF"/>
+            </a:solidFill>
+          </p:spPr>
+        </p:sp>
+        <p:sp>
+          <p:nvSpPr>
+            <p:cNvPr name="Freeform 6" id="6"/>
+            <p:cNvSpPr/>
+            <p:nvPr/>
+          </p:nvSpPr>
+          <p:spPr>
+            <a:xfrm>
+              <a:off x="0" y="4514850"/>
+              <a:ext cx="7467600" cy="695960"/>
+            </a:xfrm>
+            <a:custGeom>
+              <a:avLst/>
+              <a:gdLst/>
+              <a:ahLst/>
+              <a:cxnLst/>
+              <a:rect r="r" b="b" t="t" l="l"/>
+              <a:pathLst>
+                <a:path h="695960" w="7467600">
+                  <a:moveTo>
+                    <a:pt x="0" y="355600"/>
+                  </a:moveTo>
+                  <a:cubicBezTo>
+                    <a:pt x="0" y="543560"/>
+                    <a:pt x="152400" y="695960"/>
+                    <a:pt x="340360" y="695960"/>
+                  </a:cubicBezTo>
+                  <a:lnTo>
+                    <a:pt x="7127240" y="695960"/>
+                  </a:lnTo>
+                  <a:cubicBezTo>
+                    <a:pt x="7315200" y="695960"/>
+                    <a:pt x="7467600" y="543560"/>
+                    <a:pt x="7467600" y="355600"/>
+                  </a:cubicBezTo>
+                  <a:lnTo>
+                    <a:pt x="7467600" y="0"/>
+                  </a:lnTo>
+                  <a:lnTo>
+                    <a:pt x="0" y="0"/>
+                  </a:lnTo>
+                  <a:lnTo>
+                    <a:pt x="0" y="355600"/>
+                  </a:lnTo>
+                  <a:close/>
+                </a:path>
+              </a:pathLst>
+            </a:custGeom>
+            <a:solidFill>
+              <a:srgbClr val="272727"/>
+            </a:solidFill>
+          </p:spPr>
+        </p:sp>
+        <p:sp>
+          <p:nvSpPr>
+            <p:cNvPr name="Freeform 7" id="7"/>
+            <p:cNvSpPr/>
+            <p:nvPr/>
+          </p:nvSpPr>
+          <p:spPr>
+            <a:xfrm>
+              <a:off x="2429510" y="5210810"/>
+              <a:ext cx="2606040" cy="791210"/>
+            </a:xfrm>
+            <a:custGeom>
+              <a:avLst/>
+              <a:gdLst/>
+              <a:ahLst/>
+              <a:cxnLst/>
+              <a:rect r="r" b="b" t="t" l="l"/>
+              <a:pathLst>
+                <a:path h="791210" w="2606040">
+                  <a:moveTo>
+                    <a:pt x="1258570" y="0"/>
+                  </a:moveTo>
+                  <a:lnTo>
+                    <a:pt x="453390" y="0"/>
+                  </a:lnTo>
+                  <a:cubicBezTo>
+                    <a:pt x="453390" y="0"/>
+                    <a:pt x="429260" y="370840"/>
+                    <a:pt x="403860" y="525780"/>
+                  </a:cubicBezTo>
+                  <a:cubicBezTo>
+                    <a:pt x="359410" y="791210"/>
+                    <a:pt x="87630" y="706120"/>
+                    <a:pt x="10160" y="762000"/>
+                  </a:cubicBezTo>
+                  <a:cubicBezTo>
+                    <a:pt x="0" y="769620"/>
+                    <a:pt x="5080" y="786130"/>
+                    <a:pt x="17780" y="786130"/>
+                  </a:cubicBezTo>
+                  <a:lnTo>
+                    <a:pt x="2588260" y="786130"/>
+                  </a:lnTo>
+                  <a:cubicBezTo>
+                    <a:pt x="2600960" y="786130"/>
+                    <a:pt x="2606040" y="769620"/>
+                    <a:pt x="2595880" y="762000"/>
+                  </a:cubicBezTo>
+                  <a:cubicBezTo>
+                    <a:pt x="2518410" y="706120"/>
+                    <a:pt x="2246630" y="791210"/>
+                    <a:pt x="2202180" y="525780"/>
+                  </a:cubicBezTo>
+                  <a:cubicBezTo>
+                    <a:pt x="2176780" y="370840"/>
+                    <a:pt x="2152650" y="0"/>
+                    <a:pt x="2152650" y="0"/>
+                  </a:cubicBezTo>
+                  <a:lnTo>
+                    <a:pt x="1258570" y="0"/>
+                  </a:lnTo>
+                  <a:close/>
+                </a:path>
+              </a:pathLst>
+            </a:custGeom>
+            <a:solidFill>
+              <a:srgbClr val="000000"/>
+            </a:solidFill>
+          </p:spPr>
+        </p:sp>
+        <p:sp>
+          <p:nvSpPr>
+            <p:cNvPr name="Freeform 8" id="8"/>
+            <p:cNvSpPr/>
+            <p:nvPr/>
+          </p:nvSpPr>
+          <p:spPr>
+            <a:xfrm>
+              <a:off x="314960" y="353060"/>
+              <a:ext cx="6827520" cy="3835400"/>
+            </a:xfrm>
+            <a:custGeom>
+              <a:avLst/>
+              <a:gdLst/>
+              <a:ahLst/>
+              <a:cxnLst/>
+              <a:rect r="r" b="b" t="t" l="l"/>
+              <a:pathLst>
+                <a:path h="3835400" w="6827520">
+                  <a:moveTo>
+                    <a:pt x="0" y="0"/>
+                  </a:moveTo>
+                  <a:lnTo>
+                    <a:pt x="6827520" y="0"/>
+                  </a:lnTo>
+                  <a:lnTo>
+                    <a:pt x="6827520" y="3835400"/>
+                  </a:lnTo>
+                  <a:lnTo>
+                    <a:pt x="0" y="3835400"/>
+                  </a:lnTo>
+                  <a:close/>
+                </a:path>
+              </a:pathLst>
+            </a:custGeom>
+            <a:blipFill>
+              <a:blip r:embed="rId2"/>
+              <a:stretch>
+                <a:fillRect l="4217" r="4353" t="5846" b="30099"/>
+              </a:stretch>
+            </a:blipFill>
+          </p:spPr>
+        </p:sp>
+      </p:grpSp>
+      <p:pic>
+        <p:nvPicPr>
+          <p:cNvPr name="Picture 9" id="9"/>
+          <p:cNvPicPr>
+            <a:picLocks noChangeAspect="true"/>
+          </p:cNvPicPr>
+          <p:nvPr/>
+        </p:nvPicPr>
+        <p:blipFill>
+          <a:blip r:embed="rId3">
+            <a:extLst>
+              <a:ext uri="{28A0092B-C50C-407E-A947-70E740481C1C}">
+                <a14:useLocalDpi xmlns:a14="http://schemas.microsoft.com/office/drawing/2010/main" val="0"/>
+              </a:ext>
+              <a:ext uri="{96DAC541-7B7A-43D3-8B79-37D633B846F1}">
+                <asvg:svgBlip xmlns:asvg="http://schemas.microsoft.com/office/drawing/2016/SVG/main" r:embed="rId4"/>
+              </a:ext>
+            </a:extLst>
+          </a:blip>
+          <a:srcRect l="0" t="0" r="0" b="0"/>
+          <a:stretch>
+            <a:fillRect/>
+          </a:stretch>
+        </p:blipFill>
+        <p:spPr>
+          <a:xfrm flipH="false" flipV="false" rot="0">
+            <a:off x="6408039" y="1427583"/>
+            <a:ext cx="278469" cy="278469"/>
+          </a:xfrm>
+          <a:prstGeom prst="rect">
+            <a:avLst/>
+          </a:prstGeom>
+        </p:spPr>
+      </p:pic>
+      <p:pic>
+        <p:nvPicPr>
+          <p:cNvPr name="Picture 10" id="10"/>
+          <p:cNvPicPr>
+            <a:picLocks noChangeAspect="true"/>
+          </p:cNvPicPr>
+          <p:nvPr/>
+        </p:nvPicPr>
+        <p:blipFill>
+          <a:blip r:embed="rId3">
+            <a:extLst>
+              <a:ext uri="{28A0092B-C50C-407E-A947-70E740481C1C}">
+                <a14:useLocalDpi xmlns:a14="http://schemas.microsoft.com/office/drawing/2010/main" val="0"/>
+              </a:ext>
+              <a:ext uri="{96DAC541-7B7A-43D3-8B79-37D633B846F1}">
+                <asvg:svgBlip xmlns:asvg="http://schemas.microsoft.com/office/drawing/2016/SVG/main" r:embed="rId4"/>
+              </a:ext>
+            </a:extLst>
+          </a:blip>
+          <a:srcRect l="0" t="0" r="0" b="0"/>
+          <a:stretch>
+            <a:fillRect/>
+          </a:stretch>
+        </p:blipFill>
+        <p:spPr>
+          <a:xfrm flipH="false" flipV="false" rot="0">
+            <a:off x="16580739" y="8579782"/>
+            <a:ext cx="366437" cy="366437"/>
+          </a:xfrm>
+          <a:prstGeom prst="rect">
+            <a:avLst/>
+          </a:prstGeom>
+        </p:spPr>
+      </p:pic>
+      <p:pic>
+        <p:nvPicPr>
+          <p:cNvPr name="Picture 11" id="11"/>
+          <p:cNvPicPr>
+            <a:picLocks noChangeAspect="true"/>
+          </p:cNvPicPr>
+          <p:nvPr/>
+        </p:nvPicPr>
+        <p:blipFill>
+          <a:blip r:embed="rId3">
+            <a:extLst>
+              <a:ext uri="{28A0092B-C50C-407E-A947-70E740481C1C}">
+                <a14:useLocalDpi xmlns:a14="http://schemas.microsoft.com/office/drawing/2010/main" val="0"/>
+              </a:ext>
+              <a:ext uri="{96DAC541-7B7A-43D3-8B79-37D633B846F1}">
+                <asvg:svgBlip xmlns:asvg="http://schemas.microsoft.com/office/drawing/2016/SVG/main" r:embed="rId4"/>
+              </a:ext>
+            </a:extLst>
+          </a:blip>
+          <a:srcRect l="0" t="0" r="0" b="0"/>
+          <a:stretch>
+            <a:fillRect/>
+          </a:stretch>
+        </p:blipFill>
+        <p:spPr>
+          <a:xfrm flipH="false" flipV="false" rot="0">
+            <a:off x="14965405" y="1211919"/>
+            <a:ext cx="621829" cy="621829"/>
+          </a:xfrm>
+          <a:prstGeom prst="rect">
+            <a:avLst/>
+          </a:prstGeom>
+        </p:spPr>
+      </p:pic>
+    </p:spTree>
+  </p:cSld>
+  <p:clrMapOvr>
+    <a:masterClrMapping/>
+  </p:clrMapOvr>
+</p:sld>
+</file>
+
+<file path=ppt/slides/slide12.xml><?xml version="1.0" encoding="utf-8"?>
+<p:sld xmlns:p="http://schemas.openxmlformats.org/presentationml/2006/main" xmlns:a="http://schemas.openxmlformats.org/drawingml/2006/main" xmlns:r="http://schemas.openxmlformats.org/officeDocument/2006/relationships">
+  <p:cSld>
+    <p:bg>
+      <p:bgPr>
+        <a:solidFill>
+          <a:srgbClr val="2015E8"/>
+        </a:solidFill>
+      </p:bgPr>
+    </p:bg>
+    <p:spTree>
+      <p:nvGrpSpPr>
+        <p:cNvPr id="1" name=""/>
+        <p:cNvGrpSpPr/>
+        <p:nvPr/>
+      </p:nvGrpSpPr>
+      <p:grpSpPr>
+        <a:xfrm>
+          <a:off x="0" y="0"/>
+          <a:ext cx="0" cy="0"/>
+          <a:chOff x="0" y="0"/>
+          <a:chExt cx="0" cy="0"/>
+        </a:xfrm>
+      </p:grpSpPr>
+      <p:sp>
+        <p:nvSpPr>
+          <p:cNvPr name="TextBox 2" id="2"/>
+          <p:cNvSpPr txBox="true"/>
+          <p:nvPr/>
+        </p:nvSpPr>
+        <p:spPr>
+          <a:xfrm rot="0">
+            <a:off x="1028700" y="435927"/>
+            <a:ext cx="13496258" cy="1061720"/>
+          </a:xfrm>
+          <a:prstGeom prst="rect">
+            <a:avLst/>
+          </a:prstGeom>
+        </p:spPr>
+        <p:txBody>
+          <a:bodyPr anchor="t" rtlCol="false" tIns="0" lIns="0" bIns="0" rIns="0">
+            <a:spAutoFit/>
+          </a:bodyPr>
+          <a:lstStyle/>
+          <a:p>
+            <a:pPr>
+              <a:lnSpc>
+                <a:spcPts val="8680"/>
+              </a:lnSpc>
+            </a:pPr>
+            <a:r>
+              <a:rPr lang="en-US" sz="6200">
+                <a:solidFill>
+                  <a:srgbClr val="D8990F"/>
+                </a:solidFill>
+                <a:latin typeface="Monument"/>
+              </a:rPr>
+              <a:t>TOOLS USED</a:t>
+            </a:r>
+          </a:p>
+        </p:txBody>
+      </p:sp>
+      <p:grpSp>
+        <p:nvGrpSpPr>
+          <p:cNvPr name="Group 3" id="3"/>
+          <p:cNvGrpSpPr/>
+          <p:nvPr/>
+        </p:nvGrpSpPr>
+        <p:grpSpPr>
+          <a:xfrm rot="0">
+            <a:off x="1028700" y="1497647"/>
+            <a:ext cx="15434993" cy="8487307"/>
+            <a:chOff x="0" y="0"/>
+            <a:chExt cx="20579991" cy="11316409"/>
+          </a:xfrm>
+        </p:grpSpPr>
+        <p:sp>
+          <p:nvSpPr>
+            <p:cNvPr name="TextBox 4" id="4"/>
+            <p:cNvSpPr txBox="true"/>
+            <p:nvPr/>
+          </p:nvSpPr>
+          <p:spPr>
+            <a:xfrm rot="0">
+              <a:off x="0" y="2260391"/>
+              <a:ext cx="20579991" cy="9056018"/>
+            </a:xfrm>
+            <a:prstGeom prst="rect">
+              <a:avLst/>
+            </a:prstGeom>
+          </p:spPr>
+          <p:txBody>
+            <a:bodyPr anchor="t" rtlCol="false" tIns="0" lIns="0" bIns="0" rIns="0">
+              <a:spAutoFit/>
+            </a:bodyPr>
+            <a:lstStyle/>
+            <a:p>
+              <a:pPr>
+                <a:lnSpc>
+                  <a:spcPts val="4442"/>
+                </a:lnSpc>
+              </a:pPr>
+              <a:r>
+                <a:rPr lang="en-US" sz="4152">
+                  <a:solidFill>
+                    <a:srgbClr val="FFFFFF"/>
+                  </a:solidFill>
+                  <a:latin typeface="Breul Grotesk Light"/>
+                </a:rPr>
+                <a:t>-JAVA</a:t>
+              </a:r>
+            </a:p>
+            <a:p>
+              <a:pPr>
+                <a:lnSpc>
+                  <a:spcPts val="4442"/>
+                </a:lnSpc>
+              </a:pPr>
+              <a:r>
+                <a:rPr lang="en-US" sz="4152">
+                  <a:solidFill>
+                    <a:srgbClr val="FFFFFF"/>
+                  </a:solidFill>
+                  <a:latin typeface="Breul Grotesk Light"/>
+                </a:rPr>
+                <a:t> -Spring Boot</a:t>
+              </a:r>
+            </a:p>
+            <a:p>
+              <a:pPr>
+                <a:lnSpc>
+                  <a:spcPts val="4442"/>
+                </a:lnSpc>
+              </a:pPr>
+              <a:r>
+                <a:rPr lang="en-US" sz="4152">
+                  <a:solidFill>
+                    <a:srgbClr val="FFFFFF"/>
+                  </a:solidFill>
+                  <a:latin typeface="Breul Grotesk Light"/>
+                </a:rPr>
+                <a:t>-JPA</a:t>
+              </a:r>
+            </a:p>
+            <a:p>
+              <a:pPr>
+                <a:lnSpc>
+                  <a:spcPts val="4442"/>
+                </a:lnSpc>
+              </a:pPr>
+              <a:r>
+                <a:rPr lang="en-US" sz="4152">
+                  <a:solidFill>
+                    <a:srgbClr val="FFFFFF"/>
+                  </a:solidFill>
+                  <a:latin typeface="Breul Grotesk Light"/>
+                </a:rPr>
+                <a:t>-My SQL Connector</a:t>
+              </a:r>
+            </a:p>
+            <a:p>
+              <a:pPr>
+                <a:lnSpc>
+                  <a:spcPts val="4442"/>
+                </a:lnSpc>
+              </a:pPr>
+              <a:r>
+                <a:rPr lang="en-US" sz="4152">
+                  <a:solidFill>
+                    <a:srgbClr val="FFFFFF"/>
+                  </a:solidFill>
+                  <a:latin typeface="Breul Grotesk Light"/>
+                </a:rPr>
+                <a:t>-Maven (Java build Automation Tool)</a:t>
+              </a:r>
+            </a:p>
+            <a:p>
+              <a:pPr>
+                <a:lnSpc>
+                  <a:spcPts val="4442"/>
+                </a:lnSpc>
+              </a:pPr>
+            </a:p>
+            <a:p>
+              <a:pPr>
+                <a:lnSpc>
+                  <a:spcPts val="4442"/>
+                </a:lnSpc>
+              </a:pPr>
+              <a:r>
+                <a:rPr lang="en-US" sz="4152">
+                  <a:solidFill>
+                    <a:srgbClr val="FFFFFF"/>
+                  </a:solidFill>
+                  <a:latin typeface="Breul Grotesk Light"/>
+                </a:rPr>
+                <a:t>-JAVASCRIPT</a:t>
+              </a:r>
+            </a:p>
+            <a:p>
+              <a:pPr>
+                <a:lnSpc>
+                  <a:spcPts val="4442"/>
+                </a:lnSpc>
+              </a:pPr>
+              <a:r>
+                <a:rPr lang="en-US" sz="4152">
+                  <a:solidFill>
+                    <a:srgbClr val="FFFFFF"/>
+                  </a:solidFill>
+                  <a:latin typeface="Breul Grotesk Light"/>
+                </a:rPr>
+                <a:t>-React JS (for frontend ui)</a:t>
+              </a:r>
+            </a:p>
+            <a:p>
+              <a:pPr>
+                <a:lnSpc>
+                  <a:spcPts val="4442"/>
+                </a:lnSpc>
+              </a:pPr>
+              <a:r>
+                <a:rPr lang="en-US" sz="4152">
+                  <a:solidFill>
+                    <a:srgbClr val="FFFFFF"/>
+                  </a:solidFill>
+                  <a:latin typeface="Breul Grotesk Light"/>
+                </a:rPr>
+                <a:t>-Axios (for frontend request handle)</a:t>
+              </a:r>
+            </a:p>
+            <a:p>
+              <a:pPr>
+                <a:lnSpc>
+                  <a:spcPts val="4442"/>
+                </a:lnSpc>
+              </a:pPr>
+            </a:p>
+            <a:p>
+              <a:pPr>
+                <a:lnSpc>
+                  <a:spcPts val="4442"/>
+                </a:lnSpc>
+              </a:pPr>
+              <a:r>
+                <a:rPr lang="en-US" sz="4152">
+                  <a:solidFill>
+                    <a:srgbClr val="FFFFFF"/>
+                  </a:solidFill>
+                  <a:latin typeface="Breul Grotesk Light"/>
+                </a:rPr>
+                <a:t>-MYSQL</a:t>
+              </a:r>
+            </a:p>
+            <a:p>
+              <a:pPr>
+                <a:lnSpc>
+                  <a:spcPts val="4442"/>
+                </a:lnSpc>
+              </a:pPr>
+              <a:r>
+                <a:rPr lang="en-US" sz="4152">
+                  <a:solidFill>
+                    <a:srgbClr val="FFFFFF"/>
+                  </a:solidFill>
+                  <a:latin typeface="Breul Grotesk Light"/>
+                </a:rPr>
+                <a:t>-POSTMAN (for CRUD Operation)</a:t>
+              </a:r>
+            </a:p>
+          </p:txBody>
+        </p:sp>
+        <p:sp>
+          <p:nvSpPr>
+            <p:cNvPr name="TextBox 5" id="5"/>
+            <p:cNvSpPr txBox="true"/>
+            <p:nvPr/>
+          </p:nvSpPr>
+          <p:spPr>
+            <a:xfrm rot="0">
+              <a:off x="0" y="-76200"/>
+              <a:ext cx="20579991" cy="1738032"/>
+            </a:xfrm>
+            <a:prstGeom prst="rect">
+              <a:avLst/>
+            </a:prstGeom>
+          </p:spPr>
+          <p:txBody>
+            <a:bodyPr anchor="t" rtlCol="false" tIns="0" lIns="0" bIns="0" rIns="0">
+              <a:spAutoFit/>
+            </a:bodyPr>
+            <a:lstStyle/>
+            <a:p>
+              <a:pPr>
+                <a:lnSpc>
+                  <a:spcPts val="5284"/>
+                </a:lnSpc>
+              </a:pPr>
+              <a:r>
+                <a:rPr lang="en-US" sz="3774" spc="211">
+                  <a:solidFill>
+                    <a:srgbClr val="FFFFFF"/>
+                  </a:solidFill>
+                  <a:latin typeface="Monument Bold"/>
+                </a:rPr>
+                <a:t>Programming languages, framework and libraries</a:t>
+              </a:r>
+            </a:p>
+          </p:txBody>
+        </p:sp>
+      </p:grpSp>
+      <p:pic>
+        <p:nvPicPr>
+          <p:cNvPr name="Picture 6" id="6"/>
+          <p:cNvPicPr>
+            <a:picLocks noChangeAspect="true"/>
+          </p:cNvPicPr>
+          <p:nvPr/>
+        </p:nvPicPr>
+        <p:blipFill>
+          <a:blip r:embed="rId2">
+            <a:extLst>
+              <a:ext uri="{28A0092B-C50C-407E-A947-70E740481C1C}">
+                <a14:useLocalDpi xmlns:a14="http://schemas.microsoft.com/office/drawing/2010/main" val="0"/>
+              </a:ext>
+              <a:ext uri="{96DAC541-7B7A-43D3-8B79-37D633B846F1}">
+                <asvg:svgBlip xmlns:asvg="http://schemas.microsoft.com/office/drawing/2016/SVG/main" r:embed="rId3"/>
+              </a:ext>
+            </a:extLst>
+          </a:blip>
+          <a:srcRect l="0" t="0" r="0" b="0"/>
+          <a:stretch>
+            <a:fillRect/>
+          </a:stretch>
+        </p:blipFill>
+        <p:spPr>
+          <a:xfrm flipH="false" flipV="false" rot="0">
+            <a:off x="10837681" y="2279014"/>
+            <a:ext cx="1980702" cy="3114104"/>
+          </a:xfrm>
+          <a:prstGeom prst="rect">
+            <a:avLst/>
+          </a:prstGeom>
+        </p:spPr>
+      </p:pic>
+      <p:pic>
+        <p:nvPicPr>
+          <p:cNvPr name="Picture 7" id="7"/>
+          <p:cNvPicPr>
+            <a:picLocks noChangeAspect="true"/>
+          </p:cNvPicPr>
+          <p:nvPr/>
+        </p:nvPicPr>
+        <p:blipFill>
+          <a:blip r:embed="rId4"/>
+          <a:srcRect l="0" t="0" r="0" b="0"/>
+          <a:stretch>
+            <a:fillRect/>
+          </a:stretch>
+        </p:blipFill>
+        <p:spPr>
+          <a:xfrm flipH="false" flipV="false" rot="0">
+            <a:off x="13609708" y="2627197"/>
+            <a:ext cx="3876089" cy="2034947"/>
+          </a:xfrm>
+          <a:prstGeom prst="rect">
+            <a:avLst/>
+          </a:prstGeom>
+        </p:spPr>
+      </p:pic>
+      <p:pic>
+        <p:nvPicPr>
+          <p:cNvPr name="Picture 8" id="8"/>
+          <p:cNvPicPr>
+            <a:picLocks noChangeAspect="true"/>
+          </p:cNvPicPr>
+          <p:nvPr/>
+        </p:nvPicPr>
+        <p:blipFill>
+          <a:blip r:embed="rId5"/>
+          <a:srcRect l="0" t="0" r="0" b="0"/>
+          <a:stretch>
+            <a:fillRect/>
+          </a:stretch>
+        </p:blipFill>
+        <p:spPr>
+          <a:xfrm flipH="false" flipV="false" rot="0">
+            <a:off x="12818384" y="5741301"/>
+            <a:ext cx="5700206" cy="3800137"/>
+          </a:xfrm>
+          <a:prstGeom prst="rect">
+            <a:avLst/>
+          </a:prstGeom>
+        </p:spPr>
+      </p:pic>
+      <p:pic>
+        <p:nvPicPr>
+          <p:cNvPr name="Picture 9" id="9"/>
+          <p:cNvPicPr>
+            <a:picLocks noChangeAspect="true"/>
+          </p:cNvPicPr>
+          <p:nvPr/>
+        </p:nvPicPr>
+        <p:blipFill>
+          <a:blip r:embed="rId6"/>
+          <a:srcRect l="0" t="0" r="0" b="0"/>
+          <a:stretch>
+            <a:fillRect/>
+          </a:stretch>
+        </p:blipFill>
+        <p:spPr>
+          <a:xfrm flipH="false" flipV="false" rot="0">
+            <a:off x="13162969" y="4294784"/>
+            <a:ext cx="4096331" cy="2893034"/>
+          </a:xfrm>
+          <a:prstGeom prst="rect">
+            <a:avLst/>
+          </a:prstGeom>
+        </p:spPr>
+      </p:pic>
+    </p:spTree>
+  </p:cSld>
+  <p:clrMapOvr>
+    <a:masterClrMapping/>
+  </p:clrMapOvr>
+</p:sld>
+</file>
+
+<file path=ppt/slides/slide13.xml><?xml version="1.0" encoding="utf-8"?>
 <p:sld xmlns:p="http://schemas.openxmlformats.org/presentationml/2006/main" xmlns:a="http://schemas.openxmlformats.org/drawingml/2006/main" xmlns:r="http://schemas.openxmlformats.org/officeDocument/2006/relationships">
   <p:cSld>
     <p:bg>
@@ -4483,16 +5557,48 @@
           </a:p>
         </p:txBody>
       </p:sp>
+    </p:spTree>
+  </p:cSld>
+  <p:clrMapOvr>
+    <a:masterClrMapping/>
+  </p:clrMapOvr>
+</p:sld>
+</file>
+
+<file path=ppt/slides/slide2.xml><?xml version="1.0" encoding="utf-8"?>
+<p:sld xmlns:p="http://schemas.openxmlformats.org/presentationml/2006/main" xmlns:a="http://schemas.openxmlformats.org/drawingml/2006/main">
+  <p:cSld>
+    <p:bg>
+      <p:bgPr>
+        <a:solidFill>
+          <a:srgbClr val="2015E8"/>
+        </a:solidFill>
+      </p:bgPr>
+    </p:bg>
+    <p:spTree>
+      <p:nvGrpSpPr>
+        <p:cNvPr id="1" name=""/>
+        <p:cNvGrpSpPr/>
+        <p:nvPr/>
+      </p:nvGrpSpPr>
+      <p:grpSpPr>
+        <a:xfrm>
+          <a:off x="0" y="0"/>
+          <a:ext cx="0" cy="0"/>
+          <a:chOff x="0" y="0"/>
+          <a:chExt cx="0" cy="0"/>
+        </a:xfrm>
+      </p:grpSpPr>
       <p:sp>
         <p:nvSpPr>
-          <p:cNvPr name="TextBox 17" id="17"/>
+          <p:cNvPr name="TextBox 2" id="2"/>
           <p:cNvSpPr txBox="true"/>
           <p:nvPr/>
         </p:nvSpPr>
         <p:spPr>
           <a:xfrm rot="0">
-            <a:off x="3657601" y="9034145"/>
-            <a:ext cx="10972798" cy="486410"/>
+            <a:off x="6465247" y="1123950"/>
+            <a:ext cx="4409680" cy="998852"/>
           </a:xfrm>
           <a:prstGeom prst="rect">
             <a:avLst/>
@@ -4506,17 +5612,152 @@
           <a:p>
             <a:pPr algn="ctr">
               <a:lnSpc>
-                <a:spcPts val="3745"/>
+                <a:spcPts val="7733"/>
               </a:lnSpc>
+              <a:spcBef>
+                <a:spcPct val="0"/>
+              </a:spcBef>
             </a:pPr>
             <a:r>
-              <a:rPr lang="en-US" sz="3500">
+              <a:rPr lang="en-US" sz="7227">
                 <a:solidFill>
                   <a:srgbClr val="FFFFFF"/>
                 </a:solidFill>
                 <a:latin typeface="Breul Grotesk Light"/>
               </a:rPr>
-              <a:t>System.out.println(presenter += 1)</a:t>
+              <a:t>ABSTRACT</a:t>
+            </a:r>
+          </a:p>
+        </p:txBody>
+      </p:sp>
+      <p:sp>
+        <p:nvSpPr>
+          <p:cNvPr name="TextBox 3" id="3"/>
+          <p:cNvSpPr txBox="true"/>
+          <p:nvPr/>
+        </p:nvSpPr>
+        <p:spPr>
+          <a:xfrm rot="0">
+            <a:off x="1028700" y="3082116"/>
+            <a:ext cx="17259300" cy="932265"/>
+          </a:xfrm>
+          <a:prstGeom prst="rect">
+            <a:avLst/>
+          </a:prstGeom>
+        </p:spPr>
+        <p:txBody>
+          <a:bodyPr anchor="t" rtlCol="false" tIns="0" lIns="0" bIns="0" rIns="0">
+            <a:spAutoFit/>
+          </a:bodyPr>
+          <a:lstStyle/>
+          <a:p>
+            <a:pPr>
+              <a:lnSpc>
+                <a:spcPts val="3627"/>
+              </a:lnSpc>
+              <a:spcBef>
+                <a:spcPct val="0"/>
+              </a:spcBef>
+            </a:pPr>
+            <a:r>
+              <a:rPr lang="en-US" sz="3389">
+                <a:solidFill>
+                  <a:srgbClr val="FFFFFF"/>
+                </a:solidFill>
+                <a:latin typeface="Breul Grotesk Light"/>
+              </a:rPr>
+              <a:t>-EVERYONE LIKE NETFLIX, MOVIE WEBSITE, MOVIE RECOMMENDATION AND RATING WEBSITE LIKE IMDB.</a:t>
+            </a:r>
+          </a:p>
+        </p:txBody>
+      </p:sp>
+      <p:sp>
+        <p:nvSpPr>
+          <p:cNvPr name="TextBox 4" id="4"/>
+          <p:cNvSpPr txBox="true"/>
+          <p:nvPr/>
+        </p:nvSpPr>
+        <p:spPr>
+          <a:xfrm rot="0">
+            <a:off x="1028700" y="4696418"/>
+            <a:ext cx="17259300" cy="932265"/>
+          </a:xfrm>
+          <a:prstGeom prst="rect">
+            <a:avLst/>
+          </a:prstGeom>
+        </p:spPr>
+        <p:txBody>
+          <a:bodyPr anchor="t" rtlCol="false" tIns="0" lIns="0" bIns="0" rIns="0">
+            <a:spAutoFit/>
+          </a:bodyPr>
+          <a:lstStyle/>
+          <a:p>
+            <a:pPr>
+              <a:lnSpc>
+                <a:spcPts val="3627"/>
+              </a:lnSpc>
+              <a:spcBef>
+                <a:spcPct val="0"/>
+              </a:spcBef>
+            </a:pPr>
+            <a:r>
+              <a:rPr lang="en-US" sz="3389">
+                <a:solidFill>
+                  <a:srgbClr val="FFFFFF"/>
+                </a:solidFill>
+                <a:latin typeface="Breul Grotesk Light"/>
+              </a:rPr>
+              <a:t>-WE HAVE ATTEMPTED TO CREATE SUCH APIS USING JAVA SPRING AND MYSQL DATABASE</a:t>
+            </a:r>
+            <a:r>
+              <a:rPr lang="en-US" sz="3389">
+                <a:solidFill>
+                  <a:srgbClr val="FFFFFF"/>
+                </a:solidFill>
+                <a:latin typeface="Breul Grotesk Light"/>
+              </a:rPr>
+              <a:t>.</a:t>
+            </a:r>
+          </a:p>
+        </p:txBody>
+      </p:sp>
+      <p:sp>
+        <p:nvSpPr>
+          <p:cNvPr name="TextBox 5" id="5"/>
+          <p:cNvSpPr txBox="true"/>
+          <p:nvPr/>
+        </p:nvSpPr>
+        <p:spPr>
+          <a:xfrm rot="0">
+            <a:off x="1028700" y="6500637"/>
+            <a:ext cx="14399304" cy="932265"/>
+          </a:xfrm>
+          <a:prstGeom prst="rect">
+            <a:avLst/>
+          </a:prstGeom>
+        </p:spPr>
+        <p:txBody>
+          <a:bodyPr anchor="t" rtlCol="false" tIns="0" lIns="0" bIns="0" rIns="0">
+            <a:spAutoFit/>
+          </a:bodyPr>
+          <a:lstStyle/>
+          <a:p>
+            <a:pPr>
+              <a:lnSpc>
+                <a:spcPts val="3627"/>
+              </a:lnSpc>
+              <a:spcBef>
+                <a:spcPct val="0"/>
+              </a:spcBef>
+            </a:pPr>
+            <a:r>
+              <a:rPr lang="en-US" sz="3389">
+                <a:solidFill>
+                  <a:srgbClr val="FFFFFF"/>
+                </a:solidFill>
+                <a:latin typeface="Breul Grotesk Light"/>
+              </a:rPr>
+              <a:t>-WE HAVE CREATED A NETFLIX LIKE WEBSITE, BUT TO DISPLAY  ABOUT THE MOVIE</a:t>
             </a:r>
           </a:p>
         </p:txBody>
@@ -4529,8 +5770,1178 @@
 </p:sld>
 </file>
 
-<file path=ppt/slides/slide2.xml><?xml version="1.0" encoding="utf-8"?>
-<p:sld xmlns:p="http://schemas.openxmlformats.org/presentationml/2006/main" xmlns:a="http://schemas.openxmlformats.org/drawingml/2006/main" xmlns:r="http://schemas.openxmlformats.org/officeDocument/2006/relationships">
+<file path=ppt/slides/slide3.xml><?xml version="1.0" encoding="utf-8"?>
+<p:sld xmlns:p="http://schemas.openxmlformats.org/presentationml/2006/main" xmlns:a="http://schemas.openxmlformats.org/drawingml/2006/main">
+  <p:cSld>
+    <p:bg>
+      <p:bgPr>
+        <a:solidFill>
+          <a:srgbClr val="2015E8"/>
+        </a:solidFill>
+      </p:bgPr>
+    </p:bg>
+    <p:spTree>
+      <p:nvGrpSpPr>
+        <p:cNvPr id="1" name=""/>
+        <p:cNvGrpSpPr/>
+        <p:nvPr/>
+      </p:nvGrpSpPr>
+      <p:grpSpPr>
+        <a:xfrm>
+          <a:off x="0" y="0"/>
+          <a:ext cx="0" cy="0"/>
+          <a:chOff x="0" y="0"/>
+          <a:chExt cx="0" cy="0"/>
+        </a:xfrm>
+      </p:grpSpPr>
+      <p:sp>
+        <p:nvSpPr>
+          <p:cNvPr name="TextBox 2" id="2"/>
+          <p:cNvSpPr txBox="true"/>
+          <p:nvPr/>
+        </p:nvSpPr>
+        <p:spPr>
+          <a:xfrm rot="0">
+            <a:off x="3645097" y="904875"/>
+            <a:ext cx="9793904" cy="1061720"/>
+          </a:xfrm>
+          <a:prstGeom prst="rect">
+            <a:avLst/>
+          </a:prstGeom>
+        </p:spPr>
+        <p:txBody>
+          <a:bodyPr anchor="t" rtlCol="false" tIns="0" lIns="0" bIns="0" rIns="0">
+            <a:spAutoFit/>
+          </a:bodyPr>
+          <a:lstStyle/>
+          <a:p>
+            <a:pPr algn="ctr">
+              <a:lnSpc>
+                <a:spcPts val="8680"/>
+              </a:lnSpc>
+            </a:pPr>
+            <a:r>
+              <a:rPr lang="en-US" sz="6200">
+                <a:solidFill>
+                  <a:srgbClr val="FFFFFF"/>
+                </a:solidFill>
+                <a:latin typeface="Monument"/>
+              </a:rPr>
+              <a:t>INTRODUCTION</a:t>
+            </a:r>
+          </a:p>
+        </p:txBody>
+      </p:sp>
+      <p:grpSp>
+        <p:nvGrpSpPr>
+          <p:cNvPr name="Group 3" id="3"/>
+          <p:cNvGrpSpPr/>
+          <p:nvPr/>
+        </p:nvGrpSpPr>
+        <p:grpSpPr>
+          <a:xfrm rot="0">
+            <a:off x="1507692" y="2101820"/>
+            <a:ext cx="15471419" cy="1502836"/>
+            <a:chOff x="0" y="0"/>
+            <a:chExt cx="20628559" cy="2003781"/>
+          </a:xfrm>
+        </p:grpSpPr>
+        <p:sp>
+          <p:nvSpPr>
+            <p:cNvPr name="TextBox 4" id="4"/>
+            <p:cNvSpPr txBox="true"/>
+            <p:nvPr/>
+          </p:nvSpPr>
+          <p:spPr>
+            <a:xfrm rot="0">
+              <a:off x="0" y="-66675"/>
+              <a:ext cx="20479551" cy="692854"/>
+            </a:xfrm>
+            <a:prstGeom prst="rect">
+              <a:avLst/>
+            </a:prstGeom>
+          </p:spPr>
+          <p:txBody>
+            <a:bodyPr anchor="t" rtlCol="false" tIns="0" lIns="0" bIns="0" rIns="0">
+              <a:spAutoFit/>
+            </a:bodyPr>
+            <a:lstStyle/>
+            <a:p>
+              <a:pPr>
+                <a:lnSpc>
+                  <a:spcPts val="4314"/>
+                </a:lnSpc>
+              </a:pPr>
+            </a:p>
+          </p:txBody>
+        </p:sp>
+        <p:sp>
+          <p:nvSpPr>
+            <p:cNvPr name="TextBox 5" id="5"/>
+            <p:cNvSpPr txBox="true"/>
+            <p:nvPr/>
+          </p:nvSpPr>
+          <p:spPr>
+            <a:xfrm rot="0">
+              <a:off x="0" y="740995"/>
+              <a:ext cx="20628559" cy="1262787"/>
+            </a:xfrm>
+            <a:prstGeom prst="rect">
+              <a:avLst/>
+            </a:prstGeom>
+          </p:spPr>
+          <p:txBody>
+            <a:bodyPr anchor="t" rtlCol="false" tIns="0" lIns="0" bIns="0" rIns="0">
+              <a:spAutoFit/>
+            </a:bodyPr>
+            <a:lstStyle/>
+            <a:p>
+              <a:pPr>
+                <a:lnSpc>
+                  <a:spcPts val="3627"/>
+                </a:lnSpc>
+              </a:pPr>
+              <a:r>
+                <a:rPr lang="en-US" sz="3389">
+                  <a:solidFill>
+                    <a:srgbClr val="FFFFFF"/>
+                  </a:solidFill>
+                  <a:latin typeface="Breul Grotesk Light"/>
+                </a:rPr>
+                <a:t>-This movie site contains basic information on the movie, release date of movie, genre, studio etc</a:t>
+              </a:r>
+            </a:p>
+          </p:txBody>
+        </p:sp>
+      </p:grpSp>
+      <p:grpSp>
+        <p:nvGrpSpPr>
+          <p:cNvPr name="Group 6" id="6"/>
+          <p:cNvGrpSpPr/>
+          <p:nvPr/>
+        </p:nvGrpSpPr>
+        <p:grpSpPr>
+          <a:xfrm rot="0">
+            <a:off x="1507692" y="3613391"/>
+            <a:ext cx="15471419" cy="1962686"/>
+            <a:chOff x="0" y="0"/>
+            <a:chExt cx="20628559" cy="2616915"/>
+          </a:xfrm>
+        </p:grpSpPr>
+        <p:sp>
+          <p:nvSpPr>
+            <p:cNvPr name="TextBox 7" id="7"/>
+            <p:cNvSpPr txBox="true"/>
+            <p:nvPr/>
+          </p:nvSpPr>
+          <p:spPr>
+            <a:xfrm rot="0">
+              <a:off x="0" y="-66675"/>
+              <a:ext cx="20479551" cy="692854"/>
+            </a:xfrm>
+            <a:prstGeom prst="rect">
+              <a:avLst/>
+            </a:prstGeom>
+          </p:spPr>
+          <p:txBody>
+            <a:bodyPr anchor="t" rtlCol="false" tIns="0" lIns="0" bIns="0" rIns="0">
+              <a:spAutoFit/>
+            </a:bodyPr>
+            <a:lstStyle/>
+            <a:p>
+              <a:pPr>
+                <a:lnSpc>
+                  <a:spcPts val="4314"/>
+                </a:lnSpc>
+              </a:pPr>
+            </a:p>
+          </p:txBody>
+        </p:sp>
+        <p:sp>
+          <p:nvSpPr>
+            <p:cNvPr name="TextBox 8" id="8"/>
+            <p:cNvSpPr txBox="true"/>
+            <p:nvPr/>
+          </p:nvSpPr>
+          <p:spPr>
+            <a:xfrm rot="0">
+              <a:off x="0" y="740995"/>
+              <a:ext cx="20628559" cy="1875920"/>
+            </a:xfrm>
+            <a:prstGeom prst="rect">
+              <a:avLst/>
+            </a:prstGeom>
+          </p:spPr>
+          <p:txBody>
+            <a:bodyPr anchor="t" rtlCol="false" tIns="0" lIns="0" bIns="0" rIns="0">
+              <a:spAutoFit/>
+            </a:bodyPr>
+            <a:lstStyle/>
+            <a:p>
+              <a:pPr>
+                <a:lnSpc>
+                  <a:spcPts val="3627"/>
+                </a:lnSpc>
+              </a:pPr>
+              <a:r>
+                <a:rPr lang="en-US" sz="3389">
+                  <a:solidFill>
+                    <a:srgbClr val="FFFFFF"/>
+                  </a:solidFill>
+                  <a:latin typeface="Breul Grotesk Light"/>
+                </a:rPr>
+                <a:t>-Allows the user to perform a number of queries on the database to extract information.</a:t>
+              </a:r>
+            </a:p>
+            <a:p>
+              <a:pPr>
+                <a:lnSpc>
+                  <a:spcPts val="3627"/>
+                </a:lnSpc>
+              </a:pPr>
+            </a:p>
+          </p:txBody>
+        </p:sp>
+      </p:grpSp>
+      <p:grpSp>
+        <p:nvGrpSpPr>
+          <p:cNvPr name="Group 9" id="9"/>
+          <p:cNvGrpSpPr/>
+          <p:nvPr/>
+        </p:nvGrpSpPr>
+        <p:grpSpPr>
+          <a:xfrm rot="0">
+            <a:off x="1507692" y="5346152"/>
+            <a:ext cx="15471419" cy="1962686"/>
+            <a:chOff x="0" y="0"/>
+            <a:chExt cx="20628559" cy="2616915"/>
+          </a:xfrm>
+        </p:grpSpPr>
+        <p:sp>
+          <p:nvSpPr>
+            <p:cNvPr name="TextBox 10" id="10"/>
+            <p:cNvSpPr txBox="true"/>
+            <p:nvPr/>
+          </p:nvSpPr>
+          <p:spPr>
+            <a:xfrm rot="0">
+              <a:off x="0" y="-66675"/>
+              <a:ext cx="20479551" cy="692854"/>
+            </a:xfrm>
+            <a:prstGeom prst="rect">
+              <a:avLst/>
+            </a:prstGeom>
+          </p:spPr>
+          <p:txBody>
+            <a:bodyPr anchor="t" rtlCol="false" tIns="0" lIns="0" bIns="0" rIns="0">
+              <a:spAutoFit/>
+            </a:bodyPr>
+            <a:lstStyle/>
+            <a:p>
+              <a:pPr>
+                <a:lnSpc>
+                  <a:spcPts val="4314"/>
+                </a:lnSpc>
+              </a:pPr>
+            </a:p>
+          </p:txBody>
+        </p:sp>
+        <p:sp>
+          <p:nvSpPr>
+            <p:cNvPr name="TextBox 11" id="11"/>
+            <p:cNvSpPr txBox="true"/>
+            <p:nvPr/>
+          </p:nvSpPr>
+          <p:spPr>
+            <a:xfrm rot="0">
+              <a:off x="0" y="740995"/>
+              <a:ext cx="20628559" cy="1875920"/>
+            </a:xfrm>
+            <a:prstGeom prst="rect">
+              <a:avLst/>
+            </a:prstGeom>
+          </p:spPr>
+          <p:txBody>
+            <a:bodyPr anchor="t" rtlCol="false" tIns="0" lIns="0" bIns="0" rIns="0">
+              <a:spAutoFit/>
+            </a:bodyPr>
+            <a:lstStyle/>
+            <a:p>
+              <a:pPr>
+                <a:lnSpc>
+                  <a:spcPts val="3627"/>
+                </a:lnSpc>
+              </a:pPr>
+              <a:r>
+                <a:rPr lang="en-US" sz="3389">
+                  <a:solidFill>
+                    <a:srgbClr val="FFFFFF"/>
+                  </a:solidFill>
+                  <a:latin typeface="Breul Grotesk Light"/>
+                </a:rPr>
+                <a:t>-For example The user can search for specific movies of choice in terms of genre.</a:t>
+              </a:r>
+            </a:p>
+            <a:p>
+              <a:pPr>
+                <a:lnSpc>
+                  <a:spcPts val="3627"/>
+                </a:lnSpc>
+              </a:pPr>
+            </a:p>
+          </p:txBody>
+        </p:sp>
+      </p:grpSp>
+    </p:spTree>
+  </p:cSld>
+  <p:clrMapOvr>
+    <a:masterClrMapping/>
+  </p:clrMapOvr>
+</p:sld>
+</file>
+
+<file path=ppt/slides/slide4.xml><?xml version="1.0" encoding="utf-8"?>
+<p:sld xmlns:p="http://schemas.openxmlformats.org/presentationml/2006/main" xmlns:a="http://schemas.openxmlformats.org/drawingml/2006/main">
+  <p:cSld>
+    <p:bg>
+      <p:bgPr>
+        <a:solidFill>
+          <a:srgbClr val="2015E8"/>
+        </a:solidFill>
+      </p:bgPr>
+    </p:bg>
+    <p:spTree>
+      <p:nvGrpSpPr>
+        <p:cNvPr id="1" name=""/>
+        <p:cNvGrpSpPr/>
+        <p:nvPr/>
+      </p:nvGrpSpPr>
+      <p:grpSpPr>
+        <a:xfrm>
+          <a:off x="0" y="0"/>
+          <a:ext cx="0" cy="0"/>
+          <a:chOff x="0" y="0"/>
+          <a:chExt cx="0" cy="0"/>
+        </a:xfrm>
+      </p:grpSpPr>
+      <p:sp>
+        <p:nvSpPr>
+          <p:cNvPr name="TextBox 2" id="2"/>
+          <p:cNvSpPr txBox="true"/>
+          <p:nvPr/>
+        </p:nvSpPr>
+        <p:spPr>
+          <a:xfrm rot="0">
+            <a:off x="3728207" y="1133475"/>
+            <a:ext cx="9639505" cy="1144233"/>
+          </a:xfrm>
+          <a:prstGeom prst="rect">
+            <a:avLst/>
+          </a:prstGeom>
+        </p:spPr>
+        <p:txBody>
+          <a:bodyPr anchor="t" rtlCol="false" tIns="0" lIns="0" bIns="0" rIns="0">
+            <a:spAutoFit/>
+          </a:bodyPr>
+          <a:lstStyle/>
+          <a:p>
+            <a:pPr algn="ctr">
+              <a:lnSpc>
+                <a:spcPts val="8827"/>
+              </a:lnSpc>
+              <a:spcBef>
+                <a:spcPct val="0"/>
+              </a:spcBef>
+            </a:pPr>
+            <a:r>
+              <a:rPr lang="en-US" sz="8250">
+                <a:solidFill>
+                  <a:srgbClr val="FFFFFF"/>
+                </a:solidFill>
+                <a:latin typeface="Breul Grotesk Light"/>
+              </a:rPr>
+              <a:t>LITERATURE SURVEY</a:t>
+            </a:r>
+          </a:p>
+        </p:txBody>
+      </p:sp>
+      <p:grpSp>
+        <p:nvGrpSpPr>
+          <p:cNvPr name="Group 3" id="3"/>
+          <p:cNvGrpSpPr/>
+          <p:nvPr/>
+        </p:nvGrpSpPr>
+        <p:grpSpPr>
+          <a:xfrm rot="0">
+            <a:off x="1408290" y="2047783"/>
+            <a:ext cx="15471419" cy="1962686"/>
+            <a:chOff x="0" y="0"/>
+            <a:chExt cx="20628559" cy="2616915"/>
+          </a:xfrm>
+        </p:grpSpPr>
+        <p:sp>
+          <p:nvSpPr>
+            <p:cNvPr name="TextBox 4" id="4"/>
+            <p:cNvSpPr txBox="true"/>
+            <p:nvPr/>
+          </p:nvSpPr>
+          <p:spPr>
+            <a:xfrm rot="0">
+              <a:off x="0" y="-66675"/>
+              <a:ext cx="20479551" cy="692854"/>
+            </a:xfrm>
+            <a:prstGeom prst="rect">
+              <a:avLst/>
+            </a:prstGeom>
+          </p:spPr>
+          <p:txBody>
+            <a:bodyPr anchor="t" rtlCol="false" tIns="0" lIns="0" bIns="0" rIns="0">
+              <a:spAutoFit/>
+            </a:bodyPr>
+            <a:lstStyle/>
+            <a:p>
+              <a:pPr>
+                <a:lnSpc>
+                  <a:spcPts val="4314"/>
+                </a:lnSpc>
+              </a:pPr>
+            </a:p>
+          </p:txBody>
+        </p:sp>
+        <p:sp>
+          <p:nvSpPr>
+            <p:cNvPr name="TextBox 5" id="5"/>
+            <p:cNvSpPr txBox="true"/>
+            <p:nvPr/>
+          </p:nvSpPr>
+          <p:spPr>
+            <a:xfrm rot="0">
+              <a:off x="0" y="740995"/>
+              <a:ext cx="20628559" cy="1875920"/>
+            </a:xfrm>
+            <a:prstGeom prst="rect">
+              <a:avLst/>
+            </a:prstGeom>
+          </p:spPr>
+          <p:txBody>
+            <a:bodyPr anchor="t" rtlCol="false" tIns="0" lIns="0" bIns="0" rIns="0">
+              <a:spAutoFit/>
+            </a:bodyPr>
+            <a:lstStyle/>
+            <a:p>
+              <a:pPr>
+                <a:lnSpc>
+                  <a:spcPts val="3627"/>
+                </a:lnSpc>
+              </a:pPr>
+              <a:r>
+                <a:rPr lang="en-US" sz="3389">
+                  <a:solidFill>
+                    <a:srgbClr val="FFFFFF"/>
+                  </a:solidFill>
+                  <a:latin typeface="Breul Grotesk Light"/>
+                </a:rPr>
+                <a:t>-PEOPLE OFTEN TENDS TO WATCH MOVIES OF SOME SPECIFIC GENRES OR THE MOVIE RECOMMENDED BY OTHER PEOPLE.  SO, FOR A MOVIE STREAMING WEBSITE TO RUN CUSTOMER SATISFACTION IS MUST NEEDED.</a:t>
+              </a:r>
+            </a:p>
+          </p:txBody>
+        </p:sp>
+      </p:grpSp>
+      <p:sp>
+        <p:nvSpPr>
+          <p:cNvPr name="TextBox 6" id="6"/>
+          <p:cNvSpPr txBox="true"/>
+          <p:nvPr/>
+        </p:nvSpPr>
+        <p:spPr>
+          <a:xfrm rot="0">
+            <a:off x="1408290" y="4467818"/>
+            <a:ext cx="15471419" cy="1846665"/>
+          </a:xfrm>
+          <a:prstGeom prst="rect">
+            <a:avLst/>
+          </a:prstGeom>
+        </p:spPr>
+        <p:txBody>
+          <a:bodyPr anchor="t" rtlCol="false" tIns="0" lIns="0" bIns="0" rIns="0">
+            <a:spAutoFit/>
+          </a:bodyPr>
+          <a:lstStyle/>
+          <a:p>
+            <a:pPr>
+              <a:lnSpc>
+                <a:spcPts val="3627"/>
+              </a:lnSpc>
+              <a:spcBef>
+                <a:spcPct val="0"/>
+              </a:spcBef>
+            </a:pPr>
+            <a:r>
+              <a:rPr lang="en-US" sz="3389">
+                <a:solidFill>
+                  <a:srgbClr val="FFFFFF"/>
+                </a:solidFill>
+                <a:latin typeface="Breul Grotesk Light"/>
+              </a:rPr>
+              <a:t>-CREATING A MOVIE RECOMMENDATION APP, THE APP HAS TO PROVIDE GOOD SERVIES TO THE USERS WHO ARE USING THE APPLICATION. A GOOD MOVIE RECOMMENDATION APP HELPS THE USER TO FIND THE MOVIE THAT THEY LIKE AND HELPS THE COMPANY TO GROW</a:t>
+            </a:r>
+          </a:p>
+        </p:txBody>
+      </p:sp>
+    </p:spTree>
+  </p:cSld>
+  <p:clrMapOvr>
+    <a:masterClrMapping/>
+  </p:clrMapOvr>
+</p:sld>
+</file>
+
+<file path=ppt/slides/slide5.xml><?xml version="1.0" encoding="utf-8"?>
+<p:sld xmlns:p="http://schemas.openxmlformats.org/presentationml/2006/main" xmlns:a="http://schemas.openxmlformats.org/drawingml/2006/main">
+  <p:cSld>
+    <p:bg>
+      <p:bgPr>
+        <a:solidFill>
+          <a:srgbClr val="2015E8"/>
+        </a:solidFill>
+      </p:bgPr>
+    </p:bg>
+    <p:spTree>
+      <p:nvGrpSpPr>
+        <p:cNvPr id="1" name=""/>
+        <p:cNvGrpSpPr/>
+        <p:nvPr/>
+      </p:nvGrpSpPr>
+      <p:grpSpPr>
+        <a:xfrm>
+          <a:off x="0" y="0"/>
+          <a:ext cx="0" cy="0"/>
+          <a:chOff x="0" y="0"/>
+          <a:chExt cx="0" cy="0"/>
+        </a:xfrm>
+      </p:grpSpPr>
+      <p:sp>
+        <p:nvSpPr>
+          <p:cNvPr name="TextBox 2" id="2"/>
+          <p:cNvSpPr txBox="true"/>
+          <p:nvPr/>
+        </p:nvSpPr>
+        <p:spPr>
+          <a:xfrm rot="0">
+            <a:off x="807129" y="885819"/>
+            <a:ext cx="6767298" cy="7966240"/>
+          </a:xfrm>
+          <a:prstGeom prst="rect">
+            <a:avLst/>
+          </a:prstGeom>
+        </p:spPr>
+        <p:txBody>
+          <a:bodyPr anchor="t" rtlCol="false" tIns="0" lIns="0" bIns="0" rIns="0">
+            <a:spAutoFit/>
+          </a:bodyPr>
+          <a:lstStyle/>
+          <a:p>
+            <a:pPr>
+              <a:lnSpc>
+                <a:spcPts val="8595"/>
+              </a:lnSpc>
+            </a:pPr>
+            <a:r>
+              <a:rPr lang="en-US" sz="8033">
+                <a:solidFill>
+                  <a:srgbClr val="FFFFFF"/>
+                </a:solidFill>
+                <a:latin typeface="Breul Grotesk Light"/>
+              </a:rPr>
+              <a:t>EXISTING SYSTEM</a:t>
+            </a:r>
+          </a:p>
+          <a:p>
+            <a:pPr>
+              <a:lnSpc>
+                <a:spcPts val="8595"/>
+              </a:lnSpc>
+            </a:pPr>
+          </a:p>
+          <a:p>
+            <a:pPr>
+              <a:lnSpc>
+                <a:spcPts val="4183"/>
+              </a:lnSpc>
+            </a:pPr>
+            <a:r>
+              <a:rPr lang="en-US" sz="3910">
+                <a:solidFill>
+                  <a:srgbClr val="FFFFFF"/>
+                </a:solidFill>
+                <a:latin typeface="Breul Grotesk Light"/>
+              </a:rPr>
+              <a:t>-IMDB has no apis for public</a:t>
+            </a:r>
+          </a:p>
+          <a:p>
+            <a:pPr>
+              <a:lnSpc>
+                <a:spcPts val="4183"/>
+              </a:lnSpc>
+            </a:pPr>
+          </a:p>
+          <a:p>
+            <a:pPr>
+              <a:lnSpc>
+                <a:spcPts val="4183"/>
+              </a:lnSpc>
+            </a:pPr>
+            <a:r>
+              <a:rPr lang="en-US" sz="3910">
+                <a:solidFill>
+                  <a:srgbClr val="FFFFFF"/>
+                </a:solidFill>
+                <a:latin typeface="Breul Grotesk Light"/>
+              </a:rPr>
+              <a:t>-Other services like TMDB and OMDB costs a lot of money and free quota provides only specific amount of request per minute</a:t>
+            </a:r>
+          </a:p>
+          <a:p>
+            <a:pPr>
+              <a:lnSpc>
+                <a:spcPts val="4183"/>
+              </a:lnSpc>
+            </a:pPr>
+          </a:p>
+          <a:p>
+            <a:pPr>
+              <a:lnSpc>
+                <a:spcPts val="4183"/>
+              </a:lnSpc>
+            </a:pPr>
+            <a:r>
+              <a:rPr lang="en-US" sz="3910">
+                <a:solidFill>
+                  <a:srgbClr val="FFFFFF"/>
+                </a:solidFill>
+                <a:latin typeface="Breul Grotesk Light"/>
+              </a:rPr>
+              <a:t>-Complex usability</a:t>
+            </a:r>
+          </a:p>
+        </p:txBody>
+      </p:sp>
+      <p:sp>
+        <p:nvSpPr>
+          <p:cNvPr name="TextBox 3" id="3"/>
+          <p:cNvSpPr txBox="true"/>
+          <p:nvPr/>
+        </p:nvSpPr>
+        <p:spPr>
+          <a:xfrm rot="0">
+            <a:off x="9823253" y="885819"/>
+            <a:ext cx="6609033" cy="7128040"/>
+          </a:xfrm>
+          <a:prstGeom prst="rect">
+            <a:avLst/>
+          </a:prstGeom>
+        </p:spPr>
+        <p:txBody>
+          <a:bodyPr anchor="t" rtlCol="false" tIns="0" lIns="0" bIns="0" rIns="0">
+            <a:spAutoFit/>
+          </a:bodyPr>
+          <a:lstStyle/>
+          <a:p>
+            <a:pPr>
+              <a:lnSpc>
+                <a:spcPts val="8595"/>
+              </a:lnSpc>
+            </a:pPr>
+            <a:r>
+              <a:rPr lang="en-US" sz="8033">
+                <a:solidFill>
+                  <a:srgbClr val="FFFFFF"/>
+                </a:solidFill>
+                <a:latin typeface="Breul Grotesk Light"/>
+              </a:rPr>
+              <a:t>PROPOSED SOLUTION</a:t>
+            </a:r>
+          </a:p>
+          <a:p>
+            <a:pPr>
+              <a:lnSpc>
+                <a:spcPts val="8595"/>
+              </a:lnSpc>
+            </a:pPr>
+          </a:p>
+          <a:p>
+            <a:pPr>
+              <a:lnSpc>
+                <a:spcPts val="4183"/>
+              </a:lnSpc>
+            </a:pPr>
+            <a:r>
+              <a:rPr lang="en-US" sz="3910">
+                <a:solidFill>
+                  <a:srgbClr val="FFFFFF"/>
+                </a:solidFill>
+                <a:latin typeface="Breul Grotesk Light"/>
+              </a:rPr>
+              <a:t>-Provides public apis</a:t>
+            </a:r>
+          </a:p>
+          <a:p>
+            <a:pPr>
+              <a:lnSpc>
+                <a:spcPts val="5788"/>
+              </a:lnSpc>
+            </a:pPr>
+          </a:p>
+          <a:p>
+            <a:pPr>
+              <a:lnSpc>
+                <a:spcPts val="4183"/>
+              </a:lnSpc>
+            </a:pPr>
+            <a:r>
+              <a:rPr lang="en-US" sz="3910">
+                <a:solidFill>
+                  <a:srgbClr val="FFFFFF"/>
+                </a:solidFill>
+                <a:latin typeface="Breul Grotesk Light"/>
+              </a:rPr>
+              <a:t>-Free api request for any number of queries made by the application</a:t>
+            </a:r>
+          </a:p>
+          <a:p>
+            <a:pPr>
+              <a:lnSpc>
+                <a:spcPts val="4183"/>
+              </a:lnSpc>
+            </a:pPr>
+          </a:p>
+          <a:p>
+            <a:pPr>
+              <a:lnSpc>
+                <a:spcPts val="4183"/>
+              </a:lnSpc>
+            </a:pPr>
+            <a:r>
+              <a:rPr lang="en-US" sz="3909">
+                <a:solidFill>
+                  <a:srgbClr val="FFFFFF"/>
+                </a:solidFill>
+                <a:latin typeface="Breul Grotesk Light"/>
+              </a:rPr>
+              <a:t>-Simple Usability</a:t>
+            </a:r>
+          </a:p>
+        </p:txBody>
+      </p:sp>
+    </p:spTree>
+  </p:cSld>
+  <p:clrMapOvr>
+    <a:masterClrMapping/>
+  </p:clrMapOvr>
+</p:sld>
+</file>
+
+<file path=ppt/slides/slide6.xml><?xml version="1.0" encoding="utf-8"?>
+<p:sld xmlns:p="http://schemas.openxmlformats.org/presentationml/2006/main" xmlns:a="http://schemas.openxmlformats.org/drawingml/2006/main">
+  <p:cSld>
+    <p:bg>
+      <p:bgPr>
+        <a:solidFill>
+          <a:srgbClr val="2015E8"/>
+        </a:solidFill>
+      </p:bgPr>
+    </p:bg>
+    <p:spTree>
+      <p:nvGrpSpPr>
+        <p:cNvPr id="1" name=""/>
+        <p:cNvGrpSpPr/>
+        <p:nvPr/>
+      </p:nvGrpSpPr>
+      <p:grpSpPr>
+        <a:xfrm>
+          <a:off x="0" y="0"/>
+          <a:ext cx="0" cy="0"/>
+          <a:chOff x="0" y="0"/>
+          <a:chExt cx="0" cy="0"/>
+        </a:xfrm>
+      </p:grpSpPr>
+      <p:sp>
+        <p:nvSpPr>
+          <p:cNvPr name="TextBox 2" id="2"/>
+          <p:cNvSpPr txBox="true"/>
+          <p:nvPr/>
+        </p:nvSpPr>
+        <p:spPr>
+          <a:xfrm rot="0">
+            <a:off x="1429389" y="904875"/>
+            <a:ext cx="9793904" cy="1061720"/>
+          </a:xfrm>
+          <a:prstGeom prst="rect">
+            <a:avLst/>
+          </a:prstGeom>
+        </p:spPr>
+        <p:txBody>
+          <a:bodyPr anchor="t" rtlCol="false" tIns="0" lIns="0" bIns="0" rIns="0">
+            <a:spAutoFit/>
+          </a:bodyPr>
+          <a:lstStyle/>
+          <a:p>
+            <a:pPr algn="ctr">
+              <a:lnSpc>
+                <a:spcPts val="8680"/>
+              </a:lnSpc>
+            </a:pPr>
+            <a:r>
+              <a:rPr lang="en-US" sz="6200">
+                <a:solidFill>
+                  <a:srgbClr val="FFFFFF"/>
+                </a:solidFill>
+                <a:latin typeface="Monument"/>
+              </a:rPr>
+              <a:t>METHODOLOGY</a:t>
+            </a:r>
+          </a:p>
+        </p:txBody>
+      </p:sp>
+      <p:grpSp>
+        <p:nvGrpSpPr>
+          <p:cNvPr name="Group 3" id="3"/>
+          <p:cNvGrpSpPr/>
+          <p:nvPr/>
+        </p:nvGrpSpPr>
+        <p:grpSpPr>
+          <a:xfrm rot="0">
+            <a:off x="1507692" y="2101820"/>
+            <a:ext cx="15471419" cy="1502836"/>
+            <a:chOff x="0" y="0"/>
+            <a:chExt cx="20628559" cy="2003781"/>
+          </a:xfrm>
+        </p:grpSpPr>
+        <p:sp>
+          <p:nvSpPr>
+            <p:cNvPr name="TextBox 4" id="4"/>
+            <p:cNvSpPr txBox="true"/>
+            <p:nvPr/>
+          </p:nvSpPr>
+          <p:spPr>
+            <a:xfrm rot="0">
+              <a:off x="0" y="-66675"/>
+              <a:ext cx="20479551" cy="692854"/>
+            </a:xfrm>
+            <a:prstGeom prst="rect">
+              <a:avLst/>
+            </a:prstGeom>
+          </p:spPr>
+          <p:txBody>
+            <a:bodyPr anchor="t" rtlCol="false" tIns="0" lIns="0" bIns="0" rIns="0">
+              <a:spAutoFit/>
+            </a:bodyPr>
+            <a:lstStyle/>
+            <a:p>
+              <a:pPr>
+                <a:lnSpc>
+                  <a:spcPts val="4314"/>
+                </a:lnSpc>
+              </a:pPr>
+            </a:p>
+          </p:txBody>
+        </p:sp>
+        <p:sp>
+          <p:nvSpPr>
+            <p:cNvPr name="TextBox 5" id="5"/>
+            <p:cNvSpPr txBox="true"/>
+            <p:nvPr/>
+          </p:nvSpPr>
+          <p:spPr>
+            <a:xfrm rot="0">
+              <a:off x="0" y="740995"/>
+              <a:ext cx="20628559" cy="1262787"/>
+            </a:xfrm>
+            <a:prstGeom prst="rect">
+              <a:avLst/>
+            </a:prstGeom>
+          </p:spPr>
+          <p:txBody>
+            <a:bodyPr anchor="t" rtlCol="false" tIns="0" lIns="0" bIns="0" rIns="0">
+              <a:spAutoFit/>
+            </a:bodyPr>
+            <a:lstStyle/>
+            <a:p>
+              <a:pPr>
+                <a:lnSpc>
+                  <a:spcPts val="3627"/>
+                </a:lnSpc>
+              </a:pPr>
+              <a:r>
+                <a:rPr lang="en-US" sz="3389">
+                  <a:solidFill>
+                    <a:srgbClr val="FFFFFF"/>
+                  </a:solidFill>
+                  <a:latin typeface="Breul Grotesk Light"/>
+                </a:rPr>
+                <a:t>-JAVA FOR HANDLING ALL THE BACKEND ROUTING AND MANAGING THE APPLICATION STATE</a:t>
+              </a:r>
+            </a:p>
+          </p:txBody>
+        </p:sp>
+      </p:grpSp>
+      <p:grpSp>
+        <p:nvGrpSpPr>
+          <p:cNvPr name="Group 6" id="6"/>
+          <p:cNvGrpSpPr/>
+          <p:nvPr/>
+        </p:nvGrpSpPr>
+        <p:grpSpPr>
+          <a:xfrm rot="0">
+            <a:off x="1507692" y="3604657"/>
+            <a:ext cx="15471419" cy="1042986"/>
+            <a:chOff x="0" y="0"/>
+            <a:chExt cx="20628559" cy="1390648"/>
+          </a:xfrm>
+        </p:grpSpPr>
+        <p:sp>
+          <p:nvSpPr>
+            <p:cNvPr name="TextBox 7" id="7"/>
+            <p:cNvSpPr txBox="true"/>
+            <p:nvPr/>
+          </p:nvSpPr>
+          <p:spPr>
+            <a:xfrm rot="0">
+              <a:off x="0" y="-66675"/>
+              <a:ext cx="20479551" cy="692854"/>
+            </a:xfrm>
+            <a:prstGeom prst="rect">
+              <a:avLst/>
+            </a:prstGeom>
+          </p:spPr>
+          <p:txBody>
+            <a:bodyPr anchor="t" rtlCol="false" tIns="0" lIns="0" bIns="0" rIns="0">
+              <a:spAutoFit/>
+            </a:bodyPr>
+            <a:lstStyle/>
+            <a:p>
+              <a:pPr>
+                <a:lnSpc>
+                  <a:spcPts val="4314"/>
+                </a:lnSpc>
+              </a:pPr>
+            </a:p>
+          </p:txBody>
+        </p:sp>
+        <p:sp>
+          <p:nvSpPr>
+            <p:cNvPr name="TextBox 8" id="8"/>
+            <p:cNvSpPr txBox="true"/>
+            <p:nvPr/>
+          </p:nvSpPr>
+          <p:spPr>
+            <a:xfrm rot="0">
+              <a:off x="0" y="740995"/>
+              <a:ext cx="20628559" cy="649653"/>
+            </a:xfrm>
+            <a:prstGeom prst="rect">
+              <a:avLst/>
+            </a:prstGeom>
+          </p:spPr>
+          <p:txBody>
+            <a:bodyPr anchor="t" rtlCol="false" tIns="0" lIns="0" bIns="0" rIns="0">
+              <a:spAutoFit/>
+            </a:bodyPr>
+            <a:lstStyle/>
+            <a:p>
+              <a:pPr>
+                <a:lnSpc>
+                  <a:spcPts val="3627"/>
+                </a:lnSpc>
+              </a:pPr>
+              <a:r>
+                <a:rPr lang="en-US" sz="3389">
+                  <a:solidFill>
+                    <a:srgbClr val="FFFFFF"/>
+                  </a:solidFill>
+                  <a:latin typeface="Breul Grotesk Light"/>
+                </a:rPr>
+                <a:t>-MYSQL FOR THE DATABASE </a:t>
+              </a:r>
+            </a:p>
+          </p:txBody>
+        </p:sp>
+      </p:grpSp>
+      <p:grpSp>
+        <p:nvGrpSpPr>
+          <p:cNvPr name="Group 9" id="9"/>
+          <p:cNvGrpSpPr/>
+          <p:nvPr/>
+        </p:nvGrpSpPr>
+        <p:grpSpPr>
+          <a:xfrm rot="0">
+            <a:off x="1507692" y="4622007"/>
+            <a:ext cx="15471419" cy="1042986"/>
+            <a:chOff x="0" y="0"/>
+            <a:chExt cx="20628559" cy="1390648"/>
+          </a:xfrm>
+        </p:grpSpPr>
+        <p:sp>
+          <p:nvSpPr>
+            <p:cNvPr name="TextBox 10" id="10"/>
+            <p:cNvSpPr txBox="true"/>
+            <p:nvPr/>
+          </p:nvSpPr>
+          <p:spPr>
+            <a:xfrm rot="0">
+              <a:off x="0" y="-66675"/>
+              <a:ext cx="20479551" cy="692854"/>
+            </a:xfrm>
+            <a:prstGeom prst="rect">
+              <a:avLst/>
+            </a:prstGeom>
+          </p:spPr>
+          <p:txBody>
+            <a:bodyPr anchor="t" rtlCol="false" tIns="0" lIns="0" bIns="0" rIns="0">
+              <a:spAutoFit/>
+            </a:bodyPr>
+            <a:lstStyle/>
+            <a:p>
+              <a:pPr>
+                <a:lnSpc>
+                  <a:spcPts val="4314"/>
+                </a:lnSpc>
+              </a:pPr>
+            </a:p>
+          </p:txBody>
+        </p:sp>
+        <p:sp>
+          <p:nvSpPr>
+            <p:cNvPr name="TextBox 11" id="11"/>
+            <p:cNvSpPr txBox="true"/>
+            <p:nvPr/>
+          </p:nvSpPr>
+          <p:spPr>
+            <a:xfrm rot="0">
+              <a:off x="0" y="740995"/>
+              <a:ext cx="20628559" cy="649653"/>
+            </a:xfrm>
+            <a:prstGeom prst="rect">
+              <a:avLst/>
+            </a:prstGeom>
+          </p:spPr>
+          <p:txBody>
+            <a:bodyPr anchor="t" rtlCol="false" tIns="0" lIns="0" bIns="0" rIns="0">
+              <a:spAutoFit/>
+            </a:bodyPr>
+            <a:lstStyle/>
+            <a:p>
+              <a:pPr>
+                <a:lnSpc>
+                  <a:spcPts val="3627"/>
+                </a:lnSpc>
+              </a:pPr>
+              <a:r>
+                <a:rPr lang="en-US" sz="3389">
+                  <a:solidFill>
+                    <a:srgbClr val="FFFFFF"/>
+                  </a:solidFill>
+                  <a:latin typeface="Breul Grotesk Light"/>
+                </a:rPr>
+                <a:t>-JAVASCRIPT FOR BUILDING THE FRONTEND WEB UI</a:t>
+              </a:r>
+            </a:p>
+          </p:txBody>
+        </p:sp>
+      </p:grpSp>
+      <p:grpSp>
+        <p:nvGrpSpPr>
+          <p:cNvPr name="Group 12" id="12"/>
+          <p:cNvGrpSpPr/>
+          <p:nvPr/>
+        </p:nvGrpSpPr>
+        <p:grpSpPr>
+          <a:xfrm rot="0">
+            <a:off x="1507692" y="5405752"/>
+            <a:ext cx="15471419" cy="1962686"/>
+            <a:chOff x="0" y="0"/>
+            <a:chExt cx="20628559" cy="2616915"/>
+          </a:xfrm>
+        </p:grpSpPr>
+        <p:sp>
+          <p:nvSpPr>
+            <p:cNvPr name="TextBox 13" id="13"/>
+            <p:cNvSpPr txBox="true"/>
+            <p:nvPr/>
+          </p:nvSpPr>
+          <p:spPr>
+            <a:xfrm rot="0">
+              <a:off x="0" y="-66675"/>
+              <a:ext cx="20479551" cy="692854"/>
+            </a:xfrm>
+            <a:prstGeom prst="rect">
+              <a:avLst/>
+            </a:prstGeom>
+          </p:spPr>
+          <p:txBody>
+            <a:bodyPr anchor="t" rtlCol="false" tIns="0" lIns="0" bIns="0" rIns="0">
+              <a:spAutoFit/>
+            </a:bodyPr>
+            <a:lstStyle/>
+            <a:p>
+              <a:pPr>
+                <a:lnSpc>
+                  <a:spcPts val="4314"/>
+                </a:lnSpc>
+              </a:pPr>
+            </a:p>
+          </p:txBody>
+        </p:sp>
+        <p:sp>
+          <p:nvSpPr>
+            <p:cNvPr name="TextBox 14" id="14"/>
+            <p:cNvSpPr txBox="true"/>
+            <p:nvPr/>
+          </p:nvSpPr>
+          <p:spPr>
+            <a:xfrm rot="0">
+              <a:off x="0" y="740995"/>
+              <a:ext cx="20628559" cy="1875920"/>
+            </a:xfrm>
+            <a:prstGeom prst="rect">
+              <a:avLst/>
+            </a:prstGeom>
+          </p:spPr>
+          <p:txBody>
+            <a:bodyPr anchor="t" rtlCol="false" tIns="0" lIns="0" bIns="0" rIns="0">
+              <a:spAutoFit/>
+            </a:bodyPr>
+            <a:lstStyle/>
+            <a:p>
+              <a:pPr>
+                <a:lnSpc>
+                  <a:spcPts val="3627"/>
+                </a:lnSpc>
+              </a:pPr>
+              <a:r>
+                <a:rPr lang="en-US" sz="3389">
+                  <a:solidFill>
+                    <a:srgbClr val="FFFFFF"/>
+                  </a:solidFill>
+                  <a:latin typeface="Breul Grotesk Light"/>
+                </a:rPr>
+                <a:t>-JAVA SPRING TO INTEGRATE DIFFERENT MODULES AND WORKS AS A MIDDLEWARE TO PROVIDE REQUIRED INFORMATION FROM FRONTEND TO BACKEND AND BACKEND TO FRONTEND</a:t>
+              </a:r>
+            </a:p>
+          </p:txBody>
+        </p:sp>
+      </p:grpSp>
+    </p:spTree>
+  </p:cSld>
+  <p:clrMapOvr>
+    <a:masterClrMapping/>
+  </p:clrMapOvr>
+</p:sld>
+</file>
+
+<file path=ppt/slides/slide7.xml><?xml version="1.0" encoding="utf-8"?>
+<p:sld xmlns:p="http://schemas.openxmlformats.org/presentationml/2006/main" xmlns:a="http://schemas.openxmlformats.org/drawingml/2006/main">
   <p:cSld>
     <p:bg>
       <p:bgPr>
@@ -4561,318 +6972,22 @@
         </p:nvGrpSpPr>
         <p:grpSpPr>
           <a:xfrm rot="0">
-            <a:off x="5663033" y="866265"/>
-            <a:ext cx="6606649" cy="6606649"/>
+            <a:off x="1408290" y="1028700"/>
+            <a:ext cx="15471419" cy="1502836"/>
             <a:chOff x="0" y="0"/>
-            <a:chExt cx="6350000" cy="6350000"/>
+            <a:chExt cx="20628559" cy="2003781"/>
           </a:xfrm>
         </p:grpSpPr>
         <p:sp>
           <p:nvSpPr>
-            <p:cNvPr name="Freeform 3" id="3"/>
-            <p:cNvSpPr/>
-            <p:nvPr/>
-          </p:nvSpPr>
-          <p:spPr>
-            <a:xfrm>
-              <a:off x="14167" y="0"/>
-              <a:ext cx="6321665" cy="6350000"/>
-            </a:xfrm>
-            <a:custGeom>
-              <a:avLst/>
-              <a:gdLst/>
-              <a:ahLst/>
-              <a:cxnLst/>
-              <a:rect r="r" b="b" t="t" l="l"/>
-              <a:pathLst>
-                <a:path h="6350000" w="6321665">
-                  <a:moveTo>
-                    <a:pt x="3160833" y="0"/>
-                  </a:moveTo>
-                  <a:lnTo>
-                    <a:pt x="3160833" y="0"/>
-                  </a:lnTo>
-                  <a:cubicBezTo>
-                    <a:pt x="4908795" y="7817"/>
-                    <a:pt x="6321666" y="1427021"/>
-                    <a:pt x="6321666" y="3175000"/>
-                  </a:cubicBezTo>
-                  <a:cubicBezTo>
-                    <a:pt x="6321666" y="4922979"/>
-                    <a:pt x="4908795" y="6342183"/>
-                    <a:pt x="3160833" y="6350000"/>
-                  </a:cubicBezTo>
-                  <a:cubicBezTo>
-                    <a:pt x="1412871" y="6342183"/>
-                    <a:pt x="0" y="4922979"/>
-                    <a:pt x="0" y="3175000"/>
-                  </a:cubicBezTo>
-                  <a:cubicBezTo>
-                    <a:pt x="0" y="1427021"/>
-                    <a:pt x="1412871" y="7817"/>
-                    <a:pt x="3160833" y="0"/>
-                  </a:cubicBezTo>
-                  <a:close/>
-                </a:path>
-              </a:pathLst>
-            </a:custGeom>
-            <a:solidFill>
-              <a:srgbClr val="D8990F"/>
-            </a:solidFill>
-          </p:spPr>
-        </p:sp>
-      </p:grpSp>
-      <p:pic>
-        <p:nvPicPr>
-          <p:cNvPr name="Picture 4" id="4"/>
-          <p:cNvPicPr>
-            <a:picLocks noChangeAspect="true"/>
-          </p:cNvPicPr>
-          <p:nvPr/>
-        </p:nvPicPr>
-        <p:blipFill>
-          <a:blip r:embed="rId2"/>
-          <a:srcRect l="0" t="0" r="0" b="0"/>
-          <a:stretch>
-            <a:fillRect/>
-          </a:stretch>
-        </p:blipFill>
-        <p:spPr>
-          <a:xfrm flipH="false" flipV="false" rot="0">
-            <a:off x="2462573" y="1884071"/>
-            <a:ext cx="6400920" cy="3360483"/>
-          </a:xfrm>
-          <a:prstGeom prst="rect">
-            <a:avLst/>
-          </a:prstGeom>
-        </p:spPr>
-      </p:pic>
-      <p:pic>
-        <p:nvPicPr>
-          <p:cNvPr name="Picture 5" id="5"/>
-          <p:cNvPicPr>
-            <a:picLocks noChangeAspect="true"/>
-          </p:cNvPicPr>
-          <p:nvPr/>
-        </p:nvPicPr>
-        <p:blipFill>
-          <a:blip r:embed="rId3"/>
-          <a:srcRect l="0" t="0" r="0" b="0"/>
-          <a:stretch>
-            <a:fillRect/>
-          </a:stretch>
-        </p:blipFill>
-        <p:spPr>
-          <a:xfrm flipH="false" flipV="false" rot="0">
-            <a:off x="-33263" y="3975493"/>
-            <a:ext cx="6449887" cy="4299925"/>
-          </a:xfrm>
-          <a:prstGeom prst="rect">
-            <a:avLst/>
-          </a:prstGeom>
-        </p:spPr>
-      </p:pic>
-      <p:pic>
-        <p:nvPicPr>
-          <p:cNvPr name="Picture 6" id="6"/>
-          <p:cNvPicPr>
-            <a:picLocks noChangeAspect="true"/>
-          </p:cNvPicPr>
-          <p:nvPr/>
-        </p:nvPicPr>
-        <p:blipFill>
-          <a:blip r:embed="rId4"/>
-          <a:srcRect l="0" t="0" r="0" b="0"/>
-          <a:stretch>
-            <a:fillRect/>
-          </a:stretch>
-        </p:blipFill>
-        <p:spPr>
-          <a:xfrm flipH="false" flipV="false" rot="0">
-            <a:off x="3689248" y="6941455"/>
-            <a:ext cx="5454752" cy="3852419"/>
-          </a:xfrm>
-          <a:prstGeom prst="rect">
-            <a:avLst/>
-          </a:prstGeom>
-        </p:spPr>
-      </p:pic>
-      <p:sp>
-        <p:nvSpPr>
-          <p:cNvPr name="TextBox 7" id="7"/>
-          <p:cNvSpPr txBox="true"/>
-          <p:nvPr/>
-        </p:nvSpPr>
-        <p:spPr>
-          <a:xfrm rot="0">
-            <a:off x="638065" y="432341"/>
-            <a:ext cx="9793904" cy="2157095"/>
-          </a:xfrm>
-          <a:prstGeom prst="rect">
-            <a:avLst/>
-          </a:prstGeom>
-        </p:spPr>
-        <p:txBody>
-          <a:bodyPr anchor="t" rtlCol="false" tIns="0" lIns="0" bIns="0" rIns="0">
-            <a:spAutoFit/>
-          </a:bodyPr>
-          <a:lstStyle/>
-          <a:p>
-            <a:pPr>
-              <a:lnSpc>
-                <a:spcPts val="8680"/>
-              </a:lnSpc>
-            </a:pPr>
-            <a:r>
-              <a:rPr lang="en-US" sz="6200">
-                <a:solidFill>
-                  <a:srgbClr val="FFFFFF"/>
-                </a:solidFill>
-                <a:latin typeface="Monument"/>
-              </a:rPr>
-              <a:t>TECHNOLOGIES USED</a:t>
-            </a:r>
-          </a:p>
-        </p:txBody>
-      </p:sp>
-      <p:sp>
-        <p:nvSpPr>
-          <p:cNvPr name="TextBox 8" id="8"/>
-          <p:cNvSpPr txBox="true"/>
-          <p:nvPr/>
-        </p:nvSpPr>
-        <p:spPr>
-          <a:xfrm rot="0">
-            <a:off x="9004458" y="2310072"/>
-            <a:ext cx="1568157" cy="944418"/>
-          </a:xfrm>
-          <a:prstGeom prst="rect">
-            <a:avLst/>
-          </a:prstGeom>
-        </p:spPr>
-        <p:txBody>
-          <a:bodyPr anchor="t" rtlCol="false" tIns="0" lIns="0" bIns="0" rIns="0">
-            <a:spAutoFit/>
-          </a:bodyPr>
-          <a:lstStyle/>
-          <a:p>
-            <a:pPr>
-              <a:lnSpc>
-                <a:spcPts val="7700"/>
-              </a:lnSpc>
-            </a:pPr>
-            <a:r>
-              <a:rPr lang="en-US" sz="5500">
-                <a:solidFill>
-                  <a:srgbClr val="FFFFFF"/>
-                </a:solidFill>
-                <a:latin typeface="Monument"/>
-              </a:rPr>
-              <a:t>01</a:t>
-            </a:r>
-          </a:p>
-        </p:txBody>
-      </p:sp>
-      <p:sp>
-        <p:nvSpPr>
-          <p:cNvPr name="TextBox 9" id="9"/>
-          <p:cNvSpPr txBox="true"/>
-          <p:nvPr/>
-        </p:nvSpPr>
-        <p:spPr>
-          <a:xfrm rot="0">
-            <a:off x="9004458" y="5181038"/>
-            <a:ext cx="1568157" cy="944418"/>
-          </a:xfrm>
-          <a:prstGeom prst="rect">
-            <a:avLst/>
-          </a:prstGeom>
-        </p:spPr>
-        <p:txBody>
-          <a:bodyPr anchor="t" rtlCol="false" tIns="0" lIns="0" bIns="0" rIns="0">
-            <a:spAutoFit/>
-          </a:bodyPr>
-          <a:lstStyle/>
-          <a:p>
-            <a:pPr>
-              <a:lnSpc>
-                <a:spcPts val="7700"/>
-              </a:lnSpc>
-            </a:pPr>
-            <a:r>
-              <a:rPr lang="en-US" sz="5500">
-                <a:solidFill>
-                  <a:srgbClr val="FFFFFF"/>
-                </a:solidFill>
-                <a:latin typeface="Monument"/>
-              </a:rPr>
-              <a:t>02</a:t>
-            </a:r>
-          </a:p>
-        </p:txBody>
-      </p:sp>
-      <p:sp>
-        <p:nvSpPr>
-          <p:cNvPr name="TextBox 10" id="10"/>
-          <p:cNvSpPr txBox="true"/>
-          <p:nvPr/>
-        </p:nvSpPr>
-        <p:spPr>
-          <a:xfrm rot="0">
-            <a:off x="9004458" y="7734704"/>
-            <a:ext cx="1568157" cy="944418"/>
-          </a:xfrm>
-          <a:prstGeom prst="rect">
-            <a:avLst/>
-          </a:prstGeom>
-        </p:spPr>
-        <p:txBody>
-          <a:bodyPr anchor="t" rtlCol="false" tIns="0" lIns="0" bIns="0" rIns="0">
-            <a:spAutoFit/>
-          </a:bodyPr>
-          <a:lstStyle/>
-          <a:p>
-            <a:pPr>
-              <a:lnSpc>
-                <a:spcPts val="7700"/>
-              </a:lnSpc>
-            </a:pPr>
-            <a:r>
-              <a:rPr lang="en-US" sz="5500">
-                <a:solidFill>
-                  <a:srgbClr val="FFFFFF"/>
-                </a:solidFill>
-                <a:latin typeface="Monument"/>
-              </a:rPr>
-              <a:t>03</a:t>
-            </a:r>
-          </a:p>
-        </p:txBody>
-      </p:sp>
-      <p:grpSp>
-        <p:nvGrpSpPr>
-          <p:cNvPr name="Group 11" id="11"/>
-          <p:cNvGrpSpPr/>
-          <p:nvPr/>
-        </p:nvGrpSpPr>
-        <p:grpSpPr>
-          <a:xfrm rot="0">
-            <a:off x="10431969" y="1884071"/>
-            <a:ext cx="6547143" cy="1910721"/>
-            <a:chOff x="0" y="0"/>
-            <a:chExt cx="8729523" cy="2547629"/>
-          </a:xfrm>
-        </p:grpSpPr>
-        <p:sp>
-          <p:nvSpPr>
-            <p:cNvPr name="TextBox 12" id="12"/>
+            <p:cNvPr name="TextBox 3" id="3"/>
             <p:cNvSpPr txBox="true"/>
             <p:nvPr/>
           </p:nvSpPr>
           <p:spPr>
             <a:xfrm rot="0">
               <a:off x="0" y="-66675"/>
-              <a:ext cx="8666467" cy="676275"/>
+              <a:ext cx="20479551" cy="692854"/>
             </a:xfrm>
             <a:prstGeom prst="rect">
               <a:avLst/>
@@ -4886,31 +7001,22 @@
             <a:p>
               <a:pPr>
                 <a:lnSpc>
-                  <a:spcPts val="4199"/>
+                  <a:spcPts val="4314"/>
                 </a:lnSpc>
               </a:pPr>
-              <a:r>
-                <a:rPr lang="en-US" sz="2999" spc="167">
-                  <a:solidFill>
-                    <a:srgbClr val="FFFFFF"/>
-                  </a:solidFill>
-                  <a:latin typeface="Monument Bold"/>
-                </a:rPr>
-                <a:t>jAVA</a:t>
-              </a:r>
             </a:p>
           </p:txBody>
         </p:sp>
         <p:sp>
           <p:nvSpPr>
-            <p:cNvPr name="TextBox 13" id="13"/>
+            <p:cNvPr name="TextBox 4" id="4"/>
             <p:cNvSpPr txBox="true"/>
             <p:nvPr/>
           </p:nvSpPr>
           <p:spPr>
             <a:xfrm rot="0">
-              <a:off x="0" y="722385"/>
-              <a:ext cx="8729523" cy="1825244"/>
+              <a:off x="0" y="740995"/>
+              <a:ext cx="20628559" cy="1262787"/>
             </a:xfrm>
             <a:prstGeom prst="rect">
               <a:avLst/>
@@ -4924,17 +7030,17 @@
             <a:p>
               <a:pPr>
                 <a:lnSpc>
-                  <a:spcPts val="3530"/>
+                  <a:spcPts val="3627"/>
                 </a:lnSpc>
               </a:pPr>
               <a:r>
-                <a:rPr lang="en-US" sz="3299">
+                <a:rPr lang="en-US" sz="3389">
                   <a:solidFill>
                     <a:srgbClr val="FFFFFF"/>
                   </a:solidFill>
                   <a:latin typeface="Breul Grotesk Light"/>
                 </a:rPr>
-                <a:t>HANDLING ALL THE BACKEND ROUTING AND MANAGING THE APPLICATION STATE</a:t>
+                <a:t>-JDBC (JAVA DATABASE CONNECTIVITY) TO CONNECT THE DATABASE AND THE APPLICATION, FOR CRUD OPERATION.</a:t>
               </a:r>
             </a:p>
           </p:txBody>
@@ -4942,28 +7048,28 @@
       </p:grpSp>
       <p:grpSp>
         <p:nvGrpSpPr>
-          <p:cNvPr name="Group 14" id="14"/>
+          <p:cNvPr name="Group 5" id="5"/>
           <p:cNvGrpSpPr/>
           <p:nvPr/>
         </p:nvGrpSpPr>
         <p:grpSpPr>
           <a:xfrm rot="0">
-            <a:off x="10759450" y="5094677"/>
-            <a:ext cx="6547143" cy="1463046"/>
+            <a:off x="1408290" y="2531536"/>
+            <a:ext cx="15471419" cy="1502836"/>
             <a:chOff x="0" y="0"/>
-            <a:chExt cx="8729523" cy="1950729"/>
+            <a:chExt cx="20628559" cy="2003781"/>
           </a:xfrm>
         </p:grpSpPr>
         <p:sp>
           <p:nvSpPr>
-            <p:cNvPr name="TextBox 15" id="15"/>
+            <p:cNvPr name="TextBox 6" id="6"/>
             <p:cNvSpPr txBox="true"/>
             <p:nvPr/>
           </p:nvSpPr>
           <p:spPr>
             <a:xfrm rot="0">
               <a:off x="0" y="-66675"/>
-              <a:ext cx="8666467" cy="676275"/>
+              <a:ext cx="20479551" cy="692854"/>
             </a:xfrm>
             <a:prstGeom prst="rect">
               <a:avLst/>
@@ -4977,31 +7083,22 @@
             <a:p>
               <a:pPr>
                 <a:lnSpc>
-                  <a:spcPts val="4199"/>
+                  <a:spcPts val="4314"/>
                 </a:lnSpc>
               </a:pPr>
-              <a:r>
-                <a:rPr lang="en-US" sz="2999" spc="167">
-                  <a:solidFill>
-                    <a:srgbClr val="FFFFFF"/>
-                  </a:solidFill>
-                  <a:latin typeface="Monument Bold"/>
-                </a:rPr>
-                <a:t>MYSQL</a:t>
-              </a:r>
             </a:p>
           </p:txBody>
         </p:sp>
         <p:sp>
           <p:nvSpPr>
-            <p:cNvPr name="TextBox 16" id="16"/>
+            <p:cNvPr name="TextBox 7" id="7"/>
             <p:cNvSpPr txBox="true"/>
             <p:nvPr/>
           </p:nvSpPr>
           <p:spPr>
             <a:xfrm rot="0">
-              <a:off x="0" y="722385"/>
-              <a:ext cx="8729523" cy="1228344"/>
+              <a:off x="0" y="740995"/>
+              <a:ext cx="20628559" cy="1262787"/>
             </a:xfrm>
             <a:prstGeom prst="rect">
               <a:avLst/>
@@ -5015,17 +7112,17 @@
             <a:p>
               <a:pPr>
                 <a:lnSpc>
-                  <a:spcPts val="3530"/>
+                  <a:spcPts val="3627"/>
                 </a:lnSpc>
               </a:pPr>
               <a:r>
-                <a:rPr lang="en-US" sz="3299">
+                <a:rPr lang="en-US" sz="3389">
                   <a:solidFill>
                     <a:srgbClr val="FFFFFF"/>
                   </a:solidFill>
                   <a:latin typeface="Breul Grotesk Light"/>
                 </a:rPr>
-                <a:t>MYSQL DATABASE TO STORE AND RETRIVE ALL THE DATA.</a:t>
+                <a:t>-JAVA PERSISTENCE API TO PERSISTENTLY STORE THE VAST AMOUNTS OF DATA INTO A DATABASE .</a:t>
               </a:r>
             </a:p>
           </p:txBody>
@@ -5033,28 +7130,28 @@
       </p:grpSp>
       <p:grpSp>
         <p:nvGrpSpPr>
-          <p:cNvPr name="Group 17" id="17"/>
+          <p:cNvPr name="Group 8" id="8"/>
           <p:cNvGrpSpPr/>
           <p:nvPr/>
         </p:nvGrpSpPr>
         <p:grpSpPr>
           <a:xfrm rot="0">
-            <a:off x="10759450" y="7968193"/>
-            <a:ext cx="6499850" cy="1463046"/>
+            <a:off x="1408290" y="4264297"/>
+            <a:ext cx="15471419" cy="1042986"/>
             <a:chOff x="0" y="0"/>
-            <a:chExt cx="8666467" cy="1950729"/>
+            <a:chExt cx="20628559" cy="1390648"/>
           </a:xfrm>
         </p:grpSpPr>
         <p:sp>
           <p:nvSpPr>
-            <p:cNvPr name="TextBox 18" id="18"/>
+            <p:cNvPr name="TextBox 9" id="9"/>
             <p:cNvSpPr txBox="true"/>
             <p:nvPr/>
           </p:nvSpPr>
           <p:spPr>
             <a:xfrm rot="0">
               <a:off x="0" y="-66675"/>
-              <a:ext cx="8666467" cy="676275"/>
+              <a:ext cx="20479551" cy="692854"/>
             </a:xfrm>
             <a:prstGeom prst="rect">
               <a:avLst/>
@@ -5068,31 +7165,22 @@
             <a:p>
               <a:pPr>
                 <a:lnSpc>
-                  <a:spcPts val="4199"/>
+                  <a:spcPts val="4314"/>
                 </a:lnSpc>
               </a:pPr>
-              <a:r>
-                <a:rPr lang="en-US" sz="2999" spc="167">
-                  <a:solidFill>
-                    <a:srgbClr val="FFFFFF"/>
-                  </a:solidFill>
-                  <a:latin typeface="Monument Bold"/>
-                </a:rPr>
-                <a:t>REACT JS</a:t>
-              </a:r>
             </a:p>
           </p:txBody>
         </p:sp>
         <p:sp>
           <p:nvSpPr>
-            <p:cNvPr name="TextBox 19" id="19"/>
+            <p:cNvPr name="TextBox 10" id="10"/>
             <p:cNvSpPr txBox="true"/>
             <p:nvPr/>
           </p:nvSpPr>
           <p:spPr>
             <a:xfrm rot="0">
-              <a:off x="0" y="722385"/>
-              <a:ext cx="8645318" cy="1228344"/>
+              <a:off x="0" y="740995"/>
+              <a:ext cx="20628559" cy="649653"/>
             </a:xfrm>
             <a:prstGeom prst="rect">
               <a:avLst/>
@@ -5106,17 +7194,17 @@
             <a:p>
               <a:pPr>
                 <a:lnSpc>
-                  <a:spcPts val="3530"/>
+                  <a:spcPts val="3627"/>
                 </a:lnSpc>
               </a:pPr>
               <a:r>
-                <a:rPr lang="en-US" sz="3299">
+                <a:rPr lang="en-US" sz="3389">
                   <a:solidFill>
                     <a:srgbClr val="FFFFFF"/>
                   </a:solidFill>
                   <a:latin typeface="Breul Grotesk Light"/>
                 </a:rPr>
-                <a:t>FRONTEND/UI TO DISPLAY ALL THE CONTENT</a:t>
+                <a:t>-POSTMAN TO HANDLE ALL THE CRUD REQUESTS LIKE(GET, POST, PUT, DELETE)</a:t>
               </a:r>
             </a:p>
           </p:txBody>
@@ -5130,7 +7218,7 @@
 </p:sld>
 </file>
 
-<file path=ppt/slides/slide3.xml><?xml version="1.0" encoding="utf-8"?>
+<file path=ppt/slides/slide8.xml><?xml version="1.0" encoding="utf-8"?>
 <p:sld xmlns:p="http://schemas.openxmlformats.org/presentationml/2006/main" xmlns:a="http://schemas.openxmlformats.org/drawingml/2006/main" xmlns:r="http://schemas.openxmlformats.org/officeDocument/2006/relationships">
   <p:cSld>
     <p:bg>
@@ -5450,364 +7538,7 @@
 </p:sld>
 </file>
 
-<file path=ppt/slides/slide4.xml><?xml version="1.0" encoding="utf-8"?>
-<p:sld xmlns:p="http://schemas.openxmlformats.org/presentationml/2006/main" xmlns:a="http://schemas.openxmlformats.org/drawingml/2006/main" xmlns:r="http://schemas.openxmlformats.org/officeDocument/2006/relationships">
-  <p:cSld>
-    <p:bg>
-      <p:bgPr>
-        <a:solidFill>
-          <a:srgbClr val="2015E8"/>
-        </a:solidFill>
-      </p:bgPr>
-    </p:bg>
-    <p:spTree>
-      <p:nvGrpSpPr>
-        <p:cNvPr id="1" name=""/>
-        <p:cNvGrpSpPr/>
-        <p:nvPr/>
-      </p:nvGrpSpPr>
-      <p:grpSpPr>
-        <a:xfrm>
-          <a:off x="0" y="0"/>
-          <a:ext cx="0" cy="0"/>
-          <a:chOff x="0" y="0"/>
-          <a:chExt cx="0" cy="0"/>
-        </a:xfrm>
-      </p:grpSpPr>
-      <p:grpSp>
-        <p:nvGrpSpPr>
-          <p:cNvPr name="Group 2" id="2"/>
-          <p:cNvGrpSpPr/>
-          <p:nvPr/>
-        </p:nvGrpSpPr>
-        <p:grpSpPr>
-          <a:xfrm rot="0">
-            <a:off x="15195337" y="-1463149"/>
-            <a:ext cx="6606649" cy="6606649"/>
-            <a:chOff x="0" y="0"/>
-            <a:chExt cx="6350000" cy="6350000"/>
-          </a:xfrm>
-        </p:grpSpPr>
-        <p:sp>
-          <p:nvSpPr>
-            <p:cNvPr name="Freeform 3" id="3"/>
-            <p:cNvSpPr/>
-            <p:nvPr/>
-          </p:nvSpPr>
-          <p:spPr>
-            <a:xfrm>
-              <a:off x="14167" y="0"/>
-              <a:ext cx="6321665" cy="6350000"/>
-            </a:xfrm>
-            <a:custGeom>
-              <a:avLst/>
-              <a:gdLst/>
-              <a:ahLst/>
-              <a:cxnLst/>
-              <a:rect r="r" b="b" t="t" l="l"/>
-              <a:pathLst>
-                <a:path h="6350000" w="6321665">
-                  <a:moveTo>
-                    <a:pt x="3160833" y="0"/>
-                  </a:moveTo>
-                  <a:lnTo>
-                    <a:pt x="3160833" y="0"/>
-                  </a:lnTo>
-                  <a:cubicBezTo>
-                    <a:pt x="4908795" y="7817"/>
-                    <a:pt x="6321666" y="1427021"/>
-                    <a:pt x="6321666" y="3175000"/>
-                  </a:cubicBezTo>
-                  <a:cubicBezTo>
-                    <a:pt x="6321666" y="4922979"/>
-                    <a:pt x="4908795" y="6342183"/>
-                    <a:pt x="3160833" y="6350000"/>
-                  </a:cubicBezTo>
-                  <a:cubicBezTo>
-                    <a:pt x="1412871" y="6342183"/>
-                    <a:pt x="0" y="4922979"/>
-                    <a:pt x="0" y="3175000"/>
-                  </a:cubicBezTo>
-                  <a:cubicBezTo>
-                    <a:pt x="0" y="1427021"/>
-                    <a:pt x="1412871" y="7817"/>
-                    <a:pt x="3160833" y="0"/>
-                  </a:cubicBezTo>
-                  <a:close/>
-                </a:path>
-              </a:pathLst>
-            </a:custGeom>
-            <a:solidFill>
-              <a:srgbClr val="D8990F"/>
-            </a:solidFill>
-          </p:spPr>
-        </p:sp>
-      </p:grpSp>
-      <p:sp>
-        <p:nvSpPr>
-          <p:cNvPr name="AutoShape 4" id="4"/>
-          <p:cNvSpPr/>
-          <p:nvPr/>
-        </p:nvSpPr>
-        <p:spPr>
-          <a:xfrm rot="0">
-            <a:off x="1028700" y="4901017"/>
-            <a:ext cx="16230600" cy="0"/>
-          </a:xfrm>
-          <a:prstGeom prst="line">
-            <a:avLst/>
-          </a:prstGeom>
-          <a:ln cap="rnd" w="28575">
-            <a:solidFill>
-              <a:srgbClr val="FFFFFF"/>
-            </a:solidFill>
-            <a:prstDash val="solid"/>
-            <a:headEnd type="none" len="sm" w="sm"/>
-            <a:tailEnd type="none" len="sm" w="sm"/>
-          </a:ln>
-        </p:spPr>
-      </p:sp>
-      <p:sp>
-        <p:nvSpPr>
-          <p:cNvPr name="TextBox 5" id="5"/>
-          <p:cNvSpPr txBox="true"/>
-          <p:nvPr/>
-        </p:nvSpPr>
-        <p:spPr>
-          <a:xfrm rot="0">
-            <a:off x="4315110" y="1670380"/>
-            <a:ext cx="11591109" cy="2157095"/>
-          </a:xfrm>
-          <a:prstGeom prst="rect">
-            <a:avLst/>
-          </a:prstGeom>
-        </p:spPr>
-        <p:txBody>
-          <a:bodyPr anchor="t" rtlCol="false" tIns="0" lIns="0" bIns="0" rIns="0">
-            <a:spAutoFit/>
-          </a:bodyPr>
-          <a:lstStyle/>
-          <a:p>
-            <a:pPr>
-              <a:lnSpc>
-                <a:spcPts val="8680"/>
-              </a:lnSpc>
-            </a:pPr>
-            <a:r>
-              <a:rPr lang="en-US" sz="6200">
-                <a:solidFill>
-                  <a:srgbClr val="D8990F"/>
-                </a:solidFill>
-                <a:latin typeface="Monument"/>
-              </a:rPr>
-              <a:t>WORKING OF JAVA UNDER THE HOOD</a:t>
-            </a:r>
-          </a:p>
-        </p:txBody>
-      </p:sp>
-      <p:pic>
-        <p:nvPicPr>
-          <p:cNvPr name="Picture 6" id="6"/>
-          <p:cNvPicPr>
-            <a:picLocks noChangeAspect="true"/>
-          </p:cNvPicPr>
-          <p:nvPr/>
-        </p:nvPicPr>
-        <p:blipFill>
-          <a:blip r:embed="rId2"/>
-          <a:srcRect l="0" t="0" r="0" b="0"/>
-          <a:stretch>
-            <a:fillRect/>
-          </a:stretch>
-        </p:blipFill>
-        <p:spPr>
-          <a:xfrm flipH="false" flipV="false" rot="0">
-            <a:off x="393078" y="1768409"/>
-            <a:ext cx="3922031" cy="2059066"/>
-          </a:xfrm>
-          <a:prstGeom prst="rect">
-            <a:avLst/>
-          </a:prstGeom>
-        </p:spPr>
-      </p:pic>
-      <p:sp>
-        <p:nvSpPr>
-          <p:cNvPr name="TextBox 7" id="7"/>
-          <p:cNvSpPr txBox="true"/>
-          <p:nvPr/>
-        </p:nvSpPr>
-        <p:spPr>
-          <a:xfrm rot="0">
-            <a:off x="6486988" y="5889098"/>
-            <a:ext cx="4127925" cy="2141664"/>
-          </a:xfrm>
-          <a:prstGeom prst="rect">
-            <a:avLst/>
-          </a:prstGeom>
-        </p:spPr>
-        <p:txBody>
-          <a:bodyPr anchor="t" rtlCol="false" tIns="0" lIns="0" bIns="0" rIns="0">
-            <a:spAutoFit/>
-          </a:bodyPr>
-          <a:lstStyle/>
-          <a:p>
-            <a:pPr>
-              <a:lnSpc>
-                <a:spcPts val="4922"/>
-              </a:lnSpc>
-            </a:pPr>
-            <a:r>
-              <a:rPr lang="en-US" sz="4600">
-                <a:solidFill>
-                  <a:srgbClr val="FFFFFF"/>
-                </a:solidFill>
-                <a:latin typeface="Breul Grotesk Light"/>
-              </a:rPr>
-              <a:t>MYSQL CONNECTOR</a:t>
-            </a:r>
-          </a:p>
-          <a:p>
-            <a:pPr>
-              <a:lnSpc>
-                <a:spcPts val="3531"/>
-              </a:lnSpc>
-            </a:pPr>
-            <a:r>
-              <a:rPr lang="en-US" sz="3300">
-                <a:solidFill>
-                  <a:srgbClr val="FFFFFF"/>
-                </a:solidFill>
-                <a:latin typeface="Breul Grotesk Light"/>
-              </a:rPr>
-              <a:t>-TO CONNECT WITH MYSQL BACKEND</a:t>
-            </a:r>
-          </a:p>
-        </p:txBody>
-      </p:sp>
-      <p:sp>
-        <p:nvSpPr>
-          <p:cNvPr name="TextBox 8" id="8"/>
-          <p:cNvSpPr txBox="true"/>
-          <p:nvPr/>
-        </p:nvSpPr>
-        <p:spPr>
-          <a:xfrm rot="0">
-            <a:off x="1028700" y="6019972"/>
-            <a:ext cx="4127925" cy="2010791"/>
-          </a:xfrm>
-          <a:prstGeom prst="rect">
-            <a:avLst/>
-          </a:prstGeom>
-        </p:spPr>
-        <p:txBody>
-          <a:bodyPr anchor="t" rtlCol="false" tIns="0" lIns="0" bIns="0" rIns="0">
-            <a:spAutoFit/>
-          </a:bodyPr>
-          <a:lstStyle/>
-          <a:p>
-            <a:pPr>
-              <a:lnSpc>
-                <a:spcPts val="5243"/>
-              </a:lnSpc>
-            </a:pPr>
-            <a:r>
-              <a:rPr lang="en-US" sz="4900">
-                <a:solidFill>
-                  <a:srgbClr val="FFFFFF"/>
-                </a:solidFill>
-                <a:latin typeface="Breul Grotesk Light"/>
-              </a:rPr>
-              <a:t>SPRING BOOT </a:t>
-            </a:r>
-          </a:p>
-          <a:p>
-            <a:pPr>
-              <a:lnSpc>
-                <a:spcPts val="3531"/>
-              </a:lnSpc>
-            </a:pPr>
-            <a:r>
-              <a:rPr lang="en-US" sz="3300">
-                <a:solidFill>
-                  <a:srgbClr val="FFFFFF"/>
-                </a:solidFill>
-                <a:latin typeface="Breul Grotesk Light"/>
-              </a:rPr>
-              <a:t>-MAIN BACKEND SERVER</a:t>
-            </a:r>
-          </a:p>
-          <a:p>
-            <a:pPr>
-              <a:lnSpc>
-                <a:spcPts val="3531"/>
-              </a:lnSpc>
-            </a:pPr>
-          </a:p>
-        </p:txBody>
-      </p:sp>
-      <p:sp>
-        <p:nvSpPr>
-          <p:cNvPr name="TextBox 9" id="9"/>
-          <p:cNvSpPr txBox="true"/>
-          <p:nvPr/>
-        </p:nvSpPr>
-        <p:spPr>
-          <a:xfrm rot="0">
-            <a:off x="13131375" y="5889511"/>
-            <a:ext cx="4127925" cy="2131314"/>
-          </a:xfrm>
-          <a:prstGeom prst="rect">
-            <a:avLst/>
-          </a:prstGeom>
-        </p:spPr>
-        <p:txBody>
-          <a:bodyPr anchor="t" rtlCol="false" tIns="0" lIns="0" bIns="0" rIns="0">
-            <a:spAutoFit/>
-          </a:bodyPr>
-          <a:lstStyle/>
-          <a:p>
-            <a:pPr>
-              <a:lnSpc>
-                <a:spcPts val="4815"/>
-              </a:lnSpc>
-            </a:pPr>
-            <a:r>
-              <a:rPr lang="en-US" sz="4500">
-                <a:solidFill>
-                  <a:srgbClr val="FFFFFF"/>
-                </a:solidFill>
-                <a:latin typeface="Breul Grotesk Light"/>
-              </a:rPr>
-              <a:t>JPA(Java Persistant API)</a:t>
-            </a:r>
-          </a:p>
-          <a:p>
-            <a:pPr>
-              <a:lnSpc>
-                <a:spcPts val="3531"/>
-              </a:lnSpc>
-            </a:pPr>
-            <a:r>
-              <a:rPr lang="en-US" sz="3300">
-                <a:solidFill>
-                  <a:srgbClr val="FFFFFF"/>
-                </a:solidFill>
-                <a:latin typeface="Breul Grotesk Light"/>
-              </a:rPr>
-              <a:t>-FOR HANDLING THE DATABASE DATA</a:t>
-            </a:r>
-          </a:p>
-        </p:txBody>
-      </p:sp>
-    </p:spTree>
-  </p:cSld>
-  <p:clrMapOvr>
-    <a:masterClrMapping/>
-  </p:clrMapOvr>
-</p:sld>
-</file>
-
-<file path=ppt/slides/slide5.xml><?xml version="1.0" encoding="utf-8"?>
+<file path=ppt/slides/slide9.xml><?xml version="1.0" encoding="utf-8"?>
 <p:sld xmlns:p="http://schemas.openxmlformats.org/presentationml/2006/main" xmlns:a="http://schemas.openxmlformats.org/drawingml/2006/main" xmlns:r="http://schemas.openxmlformats.org/officeDocument/2006/relationships">
   <p:cSld>
     <p:bg>
@@ -6400,7 +8131,7 @@
                 </a:solidFill>
                 <a:latin typeface="Breul Grotesk Light"/>
               </a:rPr>
-              <a:t>-To controll the routes</a:t>
+              <a:t>-To control the routes</a:t>
             </a:r>
           </a:p>
           <a:p>
@@ -6527,2160 +8258,6 @@
           </a:p>
         </p:txBody>
       </p:sp>
-    </p:spTree>
-  </p:cSld>
-  <p:clrMapOvr>
-    <a:masterClrMapping/>
-  </p:clrMapOvr>
-</p:sld>
-</file>
-
-<file path=ppt/slides/slide6.xml><?xml version="1.0" encoding="utf-8"?>
-<p:sld xmlns:p="http://schemas.openxmlformats.org/presentationml/2006/main" xmlns:a="http://schemas.openxmlformats.org/drawingml/2006/main">
-  <p:cSld>
-    <p:bg>
-      <p:bgPr>
-        <a:solidFill>
-          <a:srgbClr val="2015E8"/>
-        </a:solidFill>
-      </p:bgPr>
-    </p:bg>
-    <p:spTree>
-      <p:nvGrpSpPr>
-        <p:cNvPr id="1" name=""/>
-        <p:cNvGrpSpPr/>
-        <p:nvPr/>
-      </p:nvGrpSpPr>
-      <p:grpSpPr>
-        <a:xfrm>
-          <a:off x="0" y="0"/>
-          <a:ext cx="0" cy="0"/>
-          <a:chOff x="0" y="0"/>
-          <a:chExt cx="0" cy="0"/>
-        </a:xfrm>
-      </p:grpSpPr>
-      <p:sp>
-        <p:nvSpPr>
-          <p:cNvPr name="TextBox 2" id="2"/>
-          <p:cNvSpPr txBox="true"/>
-          <p:nvPr/>
-        </p:nvSpPr>
-        <p:spPr>
-          <a:xfrm rot="0">
-            <a:off x="1028700" y="909205"/>
-            <a:ext cx="13496258" cy="2157095"/>
-          </a:xfrm>
-          <a:prstGeom prst="rect">
-            <a:avLst/>
-          </a:prstGeom>
-        </p:spPr>
-        <p:txBody>
-          <a:bodyPr anchor="t" rtlCol="false" tIns="0" lIns="0" bIns="0" rIns="0">
-            <a:spAutoFit/>
-          </a:bodyPr>
-          <a:lstStyle/>
-          <a:p>
-            <a:pPr>
-              <a:lnSpc>
-                <a:spcPts val="8680"/>
-              </a:lnSpc>
-            </a:pPr>
-            <a:r>
-              <a:rPr lang="en-US" sz="6200">
-                <a:solidFill>
-                  <a:srgbClr val="D8990F"/>
-                </a:solidFill>
-                <a:latin typeface="Monument"/>
-              </a:rPr>
-              <a:t>HOW THE WHOLE APPLICATION WORKS?</a:t>
-            </a:r>
-          </a:p>
-        </p:txBody>
-      </p:sp>
-      <p:grpSp>
-        <p:nvGrpSpPr>
-          <p:cNvPr name="Group 3" id="3"/>
-          <p:cNvGrpSpPr/>
-          <p:nvPr/>
-        </p:nvGrpSpPr>
-        <p:grpSpPr>
-          <a:xfrm rot="0">
-            <a:off x="1014412" y="3964843"/>
-            <a:ext cx="796526" cy="4681414"/>
-            <a:chOff x="0" y="0"/>
-            <a:chExt cx="1062035" cy="6241886"/>
-          </a:xfrm>
-        </p:grpSpPr>
-        <p:sp>
-          <p:nvSpPr>
-            <p:cNvPr name="AutoShape 4" id="4"/>
-            <p:cNvSpPr/>
-            <p:nvPr/>
-          </p:nvSpPr>
-          <p:spPr>
-            <a:xfrm rot="5400000">
-              <a:off x="-2988655" y="3092368"/>
-              <a:ext cx="6015411" cy="0"/>
-            </a:xfrm>
-            <a:prstGeom prst="line">
-              <a:avLst/>
-            </a:prstGeom>
-            <a:ln cap="rnd" w="38100">
-              <a:solidFill>
-                <a:srgbClr val="FFFFFF"/>
-              </a:solidFill>
-              <a:prstDash val="solid"/>
-              <a:headEnd type="none" len="sm" w="sm"/>
-              <a:tailEnd type="none" len="sm" w="sm"/>
-            </a:ln>
-          </p:spPr>
-        </p:sp>
-        <p:sp>
-          <p:nvSpPr>
-            <p:cNvPr name="AutoShape 5" id="5"/>
-            <p:cNvSpPr/>
-            <p:nvPr/>
-          </p:nvSpPr>
-          <p:spPr>
-            <a:xfrm rot="-10800000">
-              <a:off x="0" y="65613"/>
-              <a:ext cx="854610" cy="0"/>
-            </a:xfrm>
-            <a:prstGeom prst="line">
-              <a:avLst/>
-            </a:prstGeom>
-            <a:ln cap="rnd" w="38100">
-              <a:solidFill>
-                <a:srgbClr val="FFFFFF"/>
-              </a:solidFill>
-              <a:prstDash val="solid"/>
-              <a:headEnd type="none" len="sm" w="sm"/>
-              <a:tailEnd type="none" len="sm" w="sm"/>
-            </a:ln>
-          </p:spPr>
-        </p:sp>
-        <p:sp>
-          <p:nvSpPr>
-            <p:cNvPr name="AutoShape 6" id="6"/>
-            <p:cNvSpPr/>
-            <p:nvPr/>
-          </p:nvSpPr>
-          <p:spPr>
-            <a:xfrm rot="-10800000">
-              <a:off x="0" y="6119123"/>
-              <a:ext cx="854610" cy="0"/>
-            </a:xfrm>
-            <a:prstGeom prst="line">
-              <a:avLst/>
-            </a:prstGeom>
-            <a:ln cap="rnd" w="38100">
-              <a:solidFill>
-                <a:srgbClr val="FFFFFF"/>
-              </a:solidFill>
-              <a:prstDash val="solid"/>
-              <a:headEnd type="none" len="sm" w="sm"/>
-              <a:tailEnd type="none" len="sm" w="sm"/>
-            </a:ln>
-          </p:spPr>
-        </p:sp>
-        <p:grpSp>
-          <p:nvGrpSpPr>
-            <p:cNvPr name="Group 7" id="7"/>
-            <p:cNvGrpSpPr/>
-            <p:nvPr/>
-          </p:nvGrpSpPr>
-          <p:grpSpPr>
-            <a:xfrm rot="0">
-              <a:off x="854610" y="0"/>
-              <a:ext cx="207425" cy="207425"/>
-              <a:chOff x="0" y="0"/>
-              <a:chExt cx="6350000" cy="6350000"/>
-            </a:xfrm>
-          </p:grpSpPr>
-          <p:sp>
-            <p:nvSpPr>
-              <p:cNvPr name="Freeform 8" id="8"/>
-              <p:cNvSpPr/>
-              <p:nvPr/>
-            </p:nvSpPr>
-            <p:spPr>
-              <a:xfrm>
-                <a:off x="14167" y="0"/>
-                <a:ext cx="6321665" cy="6350000"/>
-              </a:xfrm>
-              <a:custGeom>
-                <a:avLst/>
-                <a:gdLst/>
-                <a:ahLst/>
-                <a:cxnLst/>
-                <a:rect r="r" b="b" t="t" l="l"/>
-                <a:pathLst>
-                  <a:path h="6350000" w="6321665">
-                    <a:moveTo>
-                      <a:pt x="3160833" y="0"/>
-                    </a:moveTo>
-                    <a:lnTo>
-                      <a:pt x="3160833" y="0"/>
-                    </a:lnTo>
-                    <a:cubicBezTo>
-                      <a:pt x="4908795" y="7817"/>
-                      <a:pt x="6321666" y="1427021"/>
-                      <a:pt x="6321666" y="3175000"/>
-                    </a:cubicBezTo>
-                    <a:cubicBezTo>
-                      <a:pt x="6321666" y="4922979"/>
-                      <a:pt x="4908795" y="6342183"/>
-                      <a:pt x="3160833" y="6350000"/>
-                    </a:cubicBezTo>
-                    <a:cubicBezTo>
-                      <a:pt x="1412871" y="6342183"/>
-                      <a:pt x="0" y="4922979"/>
-                      <a:pt x="0" y="3175000"/>
-                    </a:cubicBezTo>
-                    <a:cubicBezTo>
-                      <a:pt x="0" y="1427021"/>
-                      <a:pt x="1412871" y="7817"/>
-                      <a:pt x="3160833" y="0"/>
-                    </a:cubicBezTo>
-                    <a:close/>
-                  </a:path>
-                </a:pathLst>
-              </a:custGeom>
-              <a:solidFill>
-                <a:srgbClr val="FFFFFF"/>
-              </a:solidFill>
-            </p:spPr>
-          </p:sp>
-        </p:grpSp>
-        <p:grpSp>
-          <p:nvGrpSpPr>
-            <p:cNvPr name="Group 9" id="9"/>
-            <p:cNvGrpSpPr/>
-            <p:nvPr/>
-          </p:nvGrpSpPr>
-          <p:grpSpPr>
-            <a:xfrm rot="0">
-              <a:off x="854610" y="6034461"/>
-              <a:ext cx="207425" cy="207425"/>
-              <a:chOff x="0" y="0"/>
-              <a:chExt cx="6350000" cy="6350000"/>
-            </a:xfrm>
-          </p:grpSpPr>
-          <p:sp>
-            <p:nvSpPr>
-              <p:cNvPr name="Freeform 10" id="10"/>
-              <p:cNvSpPr/>
-              <p:nvPr/>
-            </p:nvSpPr>
-            <p:spPr>
-              <a:xfrm>
-                <a:off x="14167" y="0"/>
-                <a:ext cx="6321665" cy="6350000"/>
-              </a:xfrm>
-              <a:custGeom>
-                <a:avLst/>
-                <a:gdLst/>
-                <a:ahLst/>
-                <a:cxnLst/>
-                <a:rect r="r" b="b" t="t" l="l"/>
-                <a:pathLst>
-                  <a:path h="6350000" w="6321665">
-                    <a:moveTo>
-                      <a:pt x="3160833" y="0"/>
-                    </a:moveTo>
-                    <a:lnTo>
-                      <a:pt x="3160833" y="0"/>
-                    </a:lnTo>
-                    <a:cubicBezTo>
-                      <a:pt x="4908795" y="7817"/>
-                      <a:pt x="6321666" y="1427021"/>
-                      <a:pt x="6321666" y="3175000"/>
-                    </a:cubicBezTo>
-                    <a:cubicBezTo>
-                      <a:pt x="6321666" y="4922979"/>
-                      <a:pt x="4908795" y="6342183"/>
-                      <a:pt x="3160833" y="6350000"/>
-                    </a:cubicBezTo>
-                    <a:cubicBezTo>
-                      <a:pt x="1412871" y="6342183"/>
-                      <a:pt x="0" y="4922979"/>
-                      <a:pt x="0" y="3175000"/>
-                    </a:cubicBezTo>
-                    <a:cubicBezTo>
-                      <a:pt x="0" y="1427021"/>
-                      <a:pt x="1412871" y="7817"/>
-                      <a:pt x="3160833" y="0"/>
-                    </a:cubicBezTo>
-                    <a:close/>
-                  </a:path>
-                </a:pathLst>
-              </a:custGeom>
-              <a:solidFill>
-                <a:srgbClr val="FFFFFF"/>
-              </a:solidFill>
-            </p:spPr>
-          </p:sp>
-        </p:grpSp>
-      </p:grpSp>
-      <p:grpSp>
-        <p:nvGrpSpPr>
-          <p:cNvPr name="Group 11" id="11"/>
-          <p:cNvGrpSpPr/>
-          <p:nvPr/>
-        </p:nvGrpSpPr>
-        <p:grpSpPr>
-          <a:xfrm rot="0">
-            <a:off x="6281574" y="3070629"/>
-            <a:ext cx="6717492" cy="6717492"/>
-            <a:chOff x="0" y="0"/>
-            <a:chExt cx="6350000" cy="6350000"/>
-          </a:xfrm>
-        </p:grpSpPr>
-        <p:sp>
-          <p:nvSpPr>
-            <p:cNvPr name="Freeform 12" id="12"/>
-            <p:cNvSpPr/>
-            <p:nvPr/>
-          </p:nvSpPr>
-          <p:spPr>
-            <a:xfrm>
-              <a:off x="14167" y="0"/>
-              <a:ext cx="6321665" cy="6350000"/>
-            </a:xfrm>
-            <a:custGeom>
-              <a:avLst/>
-              <a:gdLst/>
-              <a:ahLst/>
-              <a:cxnLst/>
-              <a:rect r="r" b="b" t="t" l="l"/>
-              <a:pathLst>
-                <a:path h="6350000" w="6321665">
-                  <a:moveTo>
-                    <a:pt x="3160833" y="0"/>
-                  </a:moveTo>
-                  <a:lnTo>
-                    <a:pt x="3160833" y="0"/>
-                  </a:lnTo>
-                  <a:cubicBezTo>
-                    <a:pt x="4908795" y="7817"/>
-                    <a:pt x="6321666" y="1427021"/>
-                    <a:pt x="6321666" y="3175000"/>
-                  </a:cubicBezTo>
-                  <a:cubicBezTo>
-                    <a:pt x="6321666" y="4922979"/>
-                    <a:pt x="4908795" y="6342183"/>
-                    <a:pt x="3160833" y="6350000"/>
-                  </a:cubicBezTo>
-                  <a:cubicBezTo>
-                    <a:pt x="1412871" y="6342183"/>
-                    <a:pt x="0" y="4922979"/>
-                    <a:pt x="0" y="3175000"/>
-                  </a:cubicBezTo>
-                  <a:cubicBezTo>
-                    <a:pt x="0" y="1427021"/>
-                    <a:pt x="1412871" y="7817"/>
-                    <a:pt x="3160833" y="0"/>
-                  </a:cubicBezTo>
-                  <a:close/>
-                </a:path>
-              </a:pathLst>
-            </a:custGeom>
-            <a:solidFill>
-              <a:srgbClr val="D8990F"/>
-            </a:solidFill>
-          </p:spPr>
-        </p:sp>
-      </p:grpSp>
-      <p:grpSp>
-        <p:nvGrpSpPr>
-          <p:cNvPr name="Group 13" id="13"/>
-          <p:cNvGrpSpPr/>
-          <p:nvPr/>
-        </p:nvGrpSpPr>
-        <p:grpSpPr>
-          <a:xfrm rot="0">
-            <a:off x="12780460" y="3964843"/>
-            <a:ext cx="796526" cy="4681414"/>
-            <a:chOff x="0" y="0"/>
-            <a:chExt cx="1062035" cy="6241886"/>
-          </a:xfrm>
-        </p:grpSpPr>
-        <p:sp>
-          <p:nvSpPr>
-            <p:cNvPr name="AutoShape 14" id="14"/>
-            <p:cNvSpPr/>
-            <p:nvPr/>
-          </p:nvSpPr>
-          <p:spPr>
-            <a:xfrm rot="5400000">
-              <a:off x="-2988655" y="3092368"/>
-              <a:ext cx="6015411" cy="0"/>
-            </a:xfrm>
-            <a:prstGeom prst="line">
-              <a:avLst/>
-            </a:prstGeom>
-            <a:ln cap="rnd" w="38100">
-              <a:solidFill>
-                <a:srgbClr val="FFFFFF"/>
-              </a:solidFill>
-              <a:prstDash val="solid"/>
-              <a:headEnd type="none" len="sm" w="sm"/>
-              <a:tailEnd type="none" len="sm" w="sm"/>
-            </a:ln>
-          </p:spPr>
-        </p:sp>
-        <p:sp>
-          <p:nvSpPr>
-            <p:cNvPr name="AutoShape 15" id="15"/>
-            <p:cNvSpPr/>
-            <p:nvPr/>
-          </p:nvSpPr>
-          <p:spPr>
-            <a:xfrm rot="-10800000">
-              <a:off x="0" y="65613"/>
-              <a:ext cx="854610" cy="0"/>
-            </a:xfrm>
-            <a:prstGeom prst="line">
-              <a:avLst/>
-            </a:prstGeom>
-            <a:ln cap="rnd" w="38100">
-              <a:solidFill>
-                <a:srgbClr val="FFFFFF"/>
-              </a:solidFill>
-              <a:prstDash val="solid"/>
-              <a:headEnd type="none" len="sm" w="sm"/>
-              <a:tailEnd type="none" len="sm" w="sm"/>
-            </a:ln>
-          </p:spPr>
-        </p:sp>
-        <p:sp>
-          <p:nvSpPr>
-            <p:cNvPr name="AutoShape 16" id="16"/>
-            <p:cNvSpPr/>
-            <p:nvPr/>
-          </p:nvSpPr>
-          <p:spPr>
-            <a:xfrm rot="-10800000">
-              <a:off x="0" y="6119123"/>
-              <a:ext cx="854610" cy="0"/>
-            </a:xfrm>
-            <a:prstGeom prst="line">
-              <a:avLst/>
-            </a:prstGeom>
-            <a:ln cap="rnd" w="38100">
-              <a:solidFill>
-                <a:srgbClr val="FFFFFF"/>
-              </a:solidFill>
-              <a:prstDash val="solid"/>
-              <a:headEnd type="none" len="sm" w="sm"/>
-              <a:tailEnd type="none" len="sm" w="sm"/>
-            </a:ln>
-          </p:spPr>
-        </p:sp>
-        <p:grpSp>
-          <p:nvGrpSpPr>
-            <p:cNvPr name="Group 17" id="17"/>
-            <p:cNvGrpSpPr/>
-            <p:nvPr/>
-          </p:nvGrpSpPr>
-          <p:grpSpPr>
-            <a:xfrm rot="0">
-              <a:off x="854610" y="0"/>
-              <a:ext cx="207425" cy="207425"/>
-              <a:chOff x="0" y="0"/>
-              <a:chExt cx="6350000" cy="6350000"/>
-            </a:xfrm>
-          </p:grpSpPr>
-          <p:sp>
-            <p:nvSpPr>
-              <p:cNvPr name="Freeform 18" id="18"/>
-              <p:cNvSpPr/>
-              <p:nvPr/>
-            </p:nvSpPr>
-            <p:spPr>
-              <a:xfrm>
-                <a:off x="14167" y="0"/>
-                <a:ext cx="6321665" cy="6350000"/>
-              </a:xfrm>
-              <a:custGeom>
-                <a:avLst/>
-                <a:gdLst/>
-                <a:ahLst/>
-                <a:cxnLst/>
-                <a:rect r="r" b="b" t="t" l="l"/>
-                <a:pathLst>
-                  <a:path h="6350000" w="6321665">
-                    <a:moveTo>
-                      <a:pt x="3160833" y="0"/>
-                    </a:moveTo>
-                    <a:lnTo>
-                      <a:pt x="3160833" y="0"/>
-                    </a:lnTo>
-                    <a:cubicBezTo>
-                      <a:pt x="4908795" y="7817"/>
-                      <a:pt x="6321666" y="1427021"/>
-                      <a:pt x="6321666" y="3175000"/>
-                    </a:cubicBezTo>
-                    <a:cubicBezTo>
-                      <a:pt x="6321666" y="4922979"/>
-                      <a:pt x="4908795" y="6342183"/>
-                      <a:pt x="3160833" y="6350000"/>
-                    </a:cubicBezTo>
-                    <a:cubicBezTo>
-                      <a:pt x="1412871" y="6342183"/>
-                      <a:pt x="0" y="4922979"/>
-                      <a:pt x="0" y="3175000"/>
-                    </a:cubicBezTo>
-                    <a:cubicBezTo>
-                      <a:pt x="0" y="1427021"/>
-                      <a:pt x="1412871" y="7817"/>
-                      <a:pt x="3160833" y="0"/>
-                    </a:cubicBezTo>
-                    <a:close/>
-                  </a:path>
-                </a:pathLst>
-              </a:custGeom>
-              <a:solidFill>
-                <a:srgbClr val="FFFFFF"/>
-              </a:solidFill>
-            </p:spPr>
-          </p:sp>
-        </p:grpSp>
-        <p:grpSp>
-          <p:nvGrpSpPr>
-            <p:cNvPr name="Group 19" id="19"/>
-            <p:cNvGrpSpPr/>
-            <p:nvPr/>
-          </p:nvGrpSpPr>
-          <p:grpSpPr>
-            <a:xfrm rot="0">
-              <a:off x="854610" y="6034461"/>
-              <a:ext cx="207425" cy="207425"/>
-              <a:chOff x="0" y="0"/>
-              <a:chExt cx="6350000" cy="6350000"/>
-            </a:xfrm>
-          </p:grpSpPr>
-          <p:sp>
-            <p:nvSpPr>
-              <p:cNvPr name="Freeform 20" id="20"/>
-              <p:cNvSpPr/>
-              <p:nvPr/>
-            </p:nvSpPr>
-            <p:spPr>
-              <a:xfrm>
-                <a:off x="14167" y="0"/>
-                <a:ext cx="6321665" cy="6350000"/>
-              </a:xfrm>
-              <a:custGeom>
-                <a:avLst/>
-                <a:gdLst/>
-                <a:ahLst/>
-                <a:cxnLst/>
-                <a:rect r="r" b="b" t="t" l="l"/>
-                <a:pathLst>
-                  <a:path h="6350000" w="6321665">
-                    <a:moveTo>
-                      <a:pt x="3160833" y="0"/>
-                    </a:moveTo>
-                    <a:lnTo>
-                      <a:pt x="3160833" y="0"/>
-                    </a:lnTo>
-                    <a:cubicBezTo>
-                      <a:pt x="4908795" y="7817"/>
-                      <a:pt x="6321666" y="1427021"/>
-                      <a:pt x="6321666" y="3175000"/>
-                    </a:cubicBezTo>
-                    <a:cubicBezTo>
-                      <a:pt x="6321666" y="4922979"/>
-                      <a:pt x="4908795" y="6342183"/>
-                      <a:pt x="3160833" y="6350000"/>
-                    </a:cubicBezTo>
-                    <a:cubicBezTo>
-                      <a:pt x="1412871" y="6342183"/>
-                      <a:pt x="0" y="4922979"/>
-                      <a:pt x="0" y="3175000"/>
-                    </a:cubicBezTo>
-                    <a:cubicBezTo>
-                      <a:pt x="0" y="1427021"/>
-                      <a:pt x="1412871" y="7817"/>
-                      <a:pt x="3160833" y="0"/>
-                    </a:cubicBezTo>
-                    <a:close/>
-                  </a:path>
-                </a:pathLst>
-              </a:custGeom>
-              <a:solidFill>
-                <a:srgbClr val="FFFFFF"/>
-              </a:solidFill>
-            </p:spPr>
-          </p:sp>
-        </p:grpSp>
-      </p:grpSp>
-      <p:grpSp>
-        <p:nvGrpSpPr>
-          <p:cNvPr name="Group 21" id="21"/>
-          <p:cNvGrpSpPr/>
-          <p:nvPr/>
-        </p:nvGrpSpPr>
-        <p:grpSpPr>
-          <a:xfrm rot="0">
-            <a:off x="6904580" y="3964843"/>
-            <a:ext cx="796526" cy="4681414"/>
-            <a:chOff x="0" y="0"/>
-            <a:chExt cx="1062035" cy="6241886"/>
-          </a:xfrm>
-        </p:grpSpPr>
-        <p:sp>
-          <p:nvSpPr>
-            <p:cNvPr name="AutoShape 22" id="22"/>
-            <p:cNvSpPr/>
-            <p:nvPr/>
-          </p:nvSpPr>
-          <p:spPr>
-            <a:xfrm rot="5400000">
-              <a:off x="-2988655" y="3092368"/>
-              <a:ext cx="6015411" cy="0"/>
-            </a:xfrm>
-            <a:prstGeom prst="line">
-              <a:avLst/>
-            </a:prstGeom>
-            <a:ln cap="rnd" w="38100">
-              <a:solidFill>
-                <a:srgbClr val="FFFFFF"/>
-              </a:solidFill>
-              <a:prstDash val="solid"/>
-              <a:headEnd type="none" len="sm" w="sm"/>
-              <a:tailEnd type="none" len="sm" w="sm"/>
-            </a:ln>
-          </p:spPr>
-        </p:sp>
-        <p:sp>
-          <p:nvSpPr>
-            <p:cNvPr name="AutoShape 23" id="23"/>
-            <p:cNvSpPr/>
-            <p:nvPr/>
-          </p:nvSpPr>
-          <p:spPr>
-            <a:xfrm rot="-10800000">
-              <a:off x="0" y="65613"/>
-              <a:ext cx="854610" cy="0"/>
-            </a:xfrm>
-            <a:prstGeom prst="line">
-              <a:avLst/>
-            </a:prstGeom>
-            <a:ln cap="rnd" w="38100">
-              <a:solidFill>
-                <a:srgbClr val="FFFFFF"/>
-              </a:solidFill>
-              <a:prstDash val="solid"/>
-              <a:headEnd type="none" len="sm" w="sm"/>
-              <a:tailEnd type="none" len="sm" w="sm"/>
-            </a:ln>
-          </p:spPr>
-        </p:sp>
-        <p:sp>
-          <p:nvSpPr>
-            <p:cNvPr name="AutoShape 24" id="24"/>
-            <p:cNvSpPr/>
-            <p:nvPr/>
-          </p:nvSpPr>
-          <p:spPr>
-            <a:xfrm rot="-10800000">
-              <a:off x="0" y="6119123"/>
-              <a:ext cx="854610" cy="0"/>
-            </a:xfrm>
-            <a:prstGeom prst="line">
-              <a:avLst/>
-            </a:prstGeom>
-            <a:ln cap="rnd" w="38100">
-              <a:solidFill>
-                <a:srgbClr val="FFFFFF"/>
-              </a:solidFill>
-              <a:prstDash val="solid"/>
-              <a:headEnd type="none" len="sm" w="sm"/>
-              <a:tailEnd type="none" len="sm" w="sm"/>
-            </a:ln>
-          </p:spPr>
-        </p:sp>
-        <p:grpSp>
-          <p:nvGrpSpPr>
-            <p:cNvPr name="Group 25" id="25"/>
-            <p:cNvGrpSpPr/>
-            <p:nvPr/>
-          </p:nvGrpSpPr>
-          <p:grpSpPr>
-            <a:xfrm rot="0">
-              <a:off x="854610" y="0"/>
-              <a:ext cx="207425" cy="207425"/>
-              <a:chOff x="0" y="0"/>
-              <a:chExt cx="6350000" cy="6350000"/>
-            </a:xfrm>
-          </p:grpSpPr>
-          <p:sp>
-            <p:nvSpPr>
-              <p:cNvPr name="Freeform 26" id="26"/>
-              <p:cNvSpPr/>
-              <p:nvPr/>
-            </p:nvSpPr>
-            <p:spPr>
-              <a:xfrm>
-                <a:off x="14167" y="0"/>
-                <a:ext cx="6321665" cy="6350000"/>
-              </a:xfrm>
-              <a:custGeom>
-                <a:avLst/>
-                <a:gdLst/>
-                <a:ahLst/>
-                <a:cxnLst/>
-                <a:rect r="r" b="b" t="t" l="l"/>
-                <a:pathLst>
-                  <a:path h="6350000" w="6321665">
-                    <a:moveTo>
-                      <a:pt x="3160833" y="0"/>
-                    </a:moveTo>
-                    <a:lnTo>
-                      <a:pt x="3160833" y="0"/>
-                    </a:lnTo>
-                    <a:cubicBezTo>
-                      <a:pt x="4908795" y="7817"/>
-                      <a:pt x="6321666" y="1427021"/>
-                      <a:pt x="6321666" y="3175000"/>
-                    </a:cubicBezTo>
-                    <a:cubicBezTo>
-                      <a:pt x="6321666" y="4922979"/>
-                      <a:pt x="4908795" y="6342183"/>
-                      <a:pt x="3160833" y="6350000"/>
-                    </a:cubicBezTo>
-                    <a:cubicBezTo>
-                      <a:pt x="1412871" y="6342183"/>
-                      <a:pt x="0" y="4922979"/>
-                      <a:pt x="0" y="3175000"/>
-                    </a:cubicBezTo>
-                    <a:cubicBezTo>
-                      <a:pt x="0" y="1427021"/>
-                      <a:pt x="1412871" y="7817"/>
-                      <a:pt x="3160833" y="0"/>
-                    </a:cubicBezTo>
-                    <a:close/>
-                  </a:path>
-                </a:pathLst>
-              </a:custGeom>
-              <a:solidFill>
-                <a:srgbClr val="FFFFFF"/>
-              </a:solidFill>
-            </p:spPr>
-          </p:sp>
-        </p:grpSp>
-        <p:grpSp>
-          <p:nvGrpSpPr>
-            <p:cNvPr name="Group 27" id="27"/>
-            <p:cNvGrpSpPr/>
-            <p:nvPr/>
-          </p:nvGrpSpPr>
-          <p:grpSpPr>
-            <a:xfrm rot="0">
-              <a:off x="854610" y="6034461"/>
-              <a:ext cx="207425" cy="207425"/>
-              <a:chOff x="0" y="0"/>
-              <a:chExt cx="6350000" cy="6350000"/>
-            </a:xfrm>
-          </p:grpSpPr>
-          <p:sp>
-            <p:nvSpPr>
-              <p:cNvPr name="Freeform 28" id="28"/>
-              <p:cNvSpPr/>
-              <p:nvPr/>
-            </p:nvSpPr>
-            <p:spPr>
-              <a:xfrm>
-                <a:off x="14167" y="0"/>
-                <a:ext cx="6321665" cy="6350000"/>
-              </a:xfrm>
-              <a:custGeom>
-                <a:avLst/>
-                <a:gdLst/>
-                <a:ahLst/>
-                <a:cxnLst/>
-                <a:rect r="r" b="b" t="t" l="l"/>
-                <a:pathLst>
-                  <a:path h="6350000" w="6321665">
-                    <a:moveTo>
-                      <a:pt x="3160833" y="0"/>
-                    </a:moveTo>
-                    <a:lnTo>
-                      <a:pt x="3160833" y="0"/>
-                    </a:lnTo>
-                    <a:cubicBezTo>
-                      <a:pt x="4908795" y="7817"/>
-                      <a:pt x="6321666" y="1427021"/>
-                      <a:pt x="6321666" y="3175000"/>
-                    </a:cubicBezTo>
-                    <a:cubicBezTo>
-                      <a:pt x="6321666" y="4922979"/>
-                      <a:pt x="4908795" y="6342183"/>
-                      <a:pt x="3160833" y="6350000"/>
-                    </a:cubicBezTo>
-                    <a:cubicBezTo>
-                      <a:pt x="1412871" y="6342183"/>
-                      <a:pt x="0" y="4922979"/>
-                      <a:pt x="0" y="3175000"/>
-                    </a:cubicBezTo>
-                    <a:cubicBezTo>
-                      <a:pt x="0" y="1427021"/>
-                      <a:pt x="1412871" y="7817"/>
-                      <a:pt x="3160833" y="0"/>
-                    </a:cubicBezTo>
-                    <a:close/>
-                  </a:path>
-                </a:pathLst>
-              </a:custGeom>
-              <a:solidFill>
-                <a:srgbClr val="FFFFFF"/>
-              </a:solidFill>
-            </p:spPr>
-          </p:sp>
-        </p:grpSp>
-      </p:grpSp>
-      <p:grpSp>
-        <p:nvGrpSpPr>
-          <p:cNvPr name="Group 29" id="29"/>
-          <p:cNvGrpSpPr/>
-          <p:nvPr/>
-        </p:nvGrpSpPr>
-        <p:grpSpPr>
-          <a:xfrm rot="0">
-            <a:off x="2007052" y="3846396"/>
-            <a:ext cx="3486200" cy="3073268"/>
-            <a:chOff x="0" y="0"/>
-            <a:chExt cx="4648267" cy="4097691"/>
-          </a:xfrm>
-        </p:grpSpPr>
-        <p:sp>
-          <p:nvSpPr>
-            <p:cNvPr name="TextBox 30" id="30"/>
-            <p:cNvSpPr txBox="true"/>
-            <p:nvPr/>
-          </p:nvSpPr>
-          <p:spPr>
-            <a:xfrm rot="0">
-              <a:off x="0" y="1078647"/>
-              <a:ext cx="4648267" cy="3019044"/>
-            </a:xfrm>
-            <a:prstGeom prst="rect">
-              <a:avLst/>
-            </a:prstGeom>
-          </p:spPr>
-          <p:txBody>
-            <a:bodyPr anchor="t" rtlCol="false" tIns="0" lIns="0" bIns="0" rIns="0">
-              <a:spAutoFit/>
-            </a:bodyPr>
-            <a:lstStyle/>
-            <a:p>
-              <a:pPr>
-                <a:lnSpc>
-                  <a:spcPts val="3531"/>
-                </a:lnSpc>
-              </a:pPr>
-              <a:r>
-                <a:rPr lang="en-US" sz="3300">
-                  <a:solidFill>
-                    <a:srgbClr val="FFFFFF"/>
-                  </a:solidFill>
-                  <a:latin typeface="Breul Grotesk Light"/>
-                </a:rPr>
-                <a:t>FRONTEND WILL ASK FOR THE DATABASE DATA USING THE SPRINGBOOT API</a:t>
-              </a:r>
-            </a:p>
-          </p:txBody>
-        </p:sp>
-        <p:sp>
-          <p:nvSpPr>
-            <p:cNvPr name="TextBox 31" id="31"/>
-            <p:cNvSpPr txBox="true"/>
-            <p:nvPr/>
-          </p:nvSpPr>
-          <p:spPr>
-            <a:xfrm rot="0">
-              <a:off x="0" y="-66675"/>
-              <a:ext cx="4648267" cy="669348"/>
-            </a:xfrm>
-            <a:prstGeom prst="rect">
-              <a:avLst/>
-            </a:prstGeom>
-          </p:spPr>
-          <p:txBody>
-            <a:bodyPr anchor="t" rtlCol="false" tIns="0" lIns="0" bIns="0" rIns="0">
-              <a:spAutoFit/>
-            </a:bodyPr>
-            <a:lstStyle/>
-            <a:p>
-              <a:pPr>
-                <a:lnSpc>
-                  <a:spcPts val="4199"/>
-                </a:lnSpc>
-              </a:pPr>
-              <a:r>
-                <a:rPr lang="en-US" sz="2999" spc="167">
-                  <a:solidFill>
-                    <a:srgbClr val="FFFFFF"/>
-                  </a:solidFill>
-                  <a:latin typeface="Monument Bold"/>
-                </a:rPr>
-                <a:t>Step 1</a:t>
-              </a:r>
-            </a:p>
-          </p:txBody>
-        </p:sp>
-      </p:grpSp>
-      <p:grpSp>
-        <p:nvGrpSpPr>
-          <p:cNvPr name="Group 32" id="32"/>
-          <p:cNvGrpSpPr/>
-          <p:nvPr/>
-        </p:nvGrpSpPr>
-        <p:grpSpPr>
-          <a:xfrm rot="0">
-            <a:off x="13773100" y="3846396"/>
-            <a:ext cx="3486200" cy="2625593"/>
-            <a:chOff x="0" y="0"/>
-            <a:chExt cx="4648267" cy="3500791"/>
-          </a:xfrm>
-        </p:grpSpPr>
-        <p:sp>
-          <p:nvSpPr>
-            <p:cNvPr name="TextBox 33" id="33"/>
-            <p:cNvSpPr txBox="true"/>
-            <p:nvPr/>
-          </p:nvSpPr>
-          <p:spPr>
-            <a:xfrm rot="0">
-              <a:off x="0" y="1078647"/>
-              <a:ext cx="4648267" cy="2422144"/>
-            </a:xfrm>
-            <a:prstGeom prst="rect">
-              <a:avLst/>
-            </a:prstGeom>
-          </p:spPr>
-          <p:txBody>
-            <a:bodyPr anchor="t" rtlCol="false" tIns="0" lIns="0" bIns="0" rIns="0">
-              <a:spAutoFit/>
-            </a:bodyPr>
-            <a:lstStyle/>
-            <a:p>
-              <a:pPr>
-                <a:lnSpc>
-                  <a:spcPts val="3531"/>
-                </a:lnSpc>
-              </a:pPr>
-              <a:r>
-                <a:rPr lang="en-US" sz="3300">
-                  <a:solidFill>
-                    <a:srgbClr val="FFFFFF"/>
-                  </a:solidFill>
-                  <a:latin typeface="Breul Grotesk Light"/>
-                </a:rPr>
-                <a:t>FRONTEND WILL DISPLAY THOSE DATA TO THE END USERS</a:t>
-              </a:r>
-            </a:p>
-          </p:txBody>
-        </p:sp>
-        <p:sp>
-          <p:nvSpPr>
-            <p:cNvPr name="TextBox 34" id="34"/>
-            <p:cNvSpPr txBox="true"/>
-            <p:nvPr/>
-          </p:nvSpPr>
-          <p:spPr>
-            <a:xfrm rot="0">
-              <a:off x="0" y="-66675"/>
-              <a:ext cx="4648267" cy="669348"/>
-            </a:xfrm>
-            <a:prstGeom prst="rect">
-              <a:avLst/>
-            </a:prstGeom>
-          </p:spPr>
-          <p:txBody>
-            <a:bodyPr anchor="t" rtlCol="false" tIns="0" lIns="0" bIns="0" rIns="0">
-              <a:spAutoFit/>
-            </a:bodyPr>
-            <a:lstStyle/>
-            <a:p>
-              <a:pPr>
-                <a:lnSpc>
-                  <a:spcPts val="4199"/>
-                </a:lnSpc>
-              </a:pPr>
-              <a:r>
-                <a:rPr lang="en-US" sz="2999" spc="167">
-                  <a:solidFill>
-                    <a:srgbClr val="FFFFFF"/>
-                  </a:solidFill>
-                  <a:latin typeface="Monument Bold"/>
-                </a:rPr>
-                <a:t>Step 3</a:t>
-              </a:r>
-            </a:p>
-          </p:txBody>
-        </p:sp>
-      </p:grpSp>
-      <p:grpSp>
-        <p:nvGrpSpPr>
-          <p:cNvPr name="Group 35" id="35"/>
-          <p:cNvGrpSpPr/>
-          <p:nvPr/>
-        </p:nvGrpSpPr>
-        <p:grpSpPr>
-          <a:xfrm rot="0">
-            <a:off x="7897220" y="3846396"/>
-            <a:ext cx="3486200" cy="3520943"/>
-            <a:chOff x="0" y="0"/>
-            <a:chExt cx="4648267" cy="4694591"/>
-          </a:xfrm>
-        </p:grpSpPr>
-        <p:sp>
-          <p:nvSpPr>
-            <p:cNvPr name="TextBox 36" id="36"/>
-            <p:cNvSpPr txBox="true"/>
-            <p:nvPr/>
-          </p:nvSpPr>
-          <p:spPr>
-            <a:xfrm rot="0">
-              <a:off x="0" y="1078647"/>
-              <a:ext cx="4648267" cy="3615944"/>
-            </a:xfrm>
-            <a:prstGeom prst="rect">
-              <a:avLst/>
-            </a:prstGeom>
-          </p:spPr>
-          <p:txBody>
-            <a:bodyPr anchor="t" rtlCol="false" tIns="0" lIns="0" bIns="0" rIns="0">
-              <a:spAutoFit/>
-            </a:bodyPr>
-            <a:lstStyle/>
-            <a:p>
-              <a:pPr>
-                <a:lnSpc>
-                  <a:spcPts val="3531"/>
-                </a:lnSpc>
-              </a:pPr>
-              <a:r>
-                <a:rPr lang="en-US" sz="3300">
-                  <a:solidFill>
-                    <a:srgbClr val="FFFFFF"/>
-                  </a:solidFill>
-                  <a:latin typeface="Breul Grotesk Light"/>
-                </a:rPr>
-                <a:t>SPRING BOOT SERVER WILL HANDLE THE INCOMING REQUEST AND SENDS RESPONSE</a:t>
-              </a:r>
-            </a:p>
-          </p:txBody>
-        </p:sp>
-        <p:sp>
-          <p:nvSpPr>
-            <p:cNvPr name="TextBox 37" id="37"/>
-            <p:cNvSpPr txBox="true"/>
-            <p:nvPr/>
-          </p:nvSpPr>
-          <p:spPr>
-            <a:xfrm rot="0">
-              <a:off x="0" y="-66675"/>
-              <a:ext cx="4648267" cy="669348"/>
-            </a:xfrm>
-            <a:prstGeom prst="rect">
-              <a:avLst/>
-            </a:prstGeom>
-          </p:spPr>
-          <p:txBody>
-            <a:bodyPr anchor="t" rtlCol="false" tIns="0" lIns="0" bIns="0" rIns="0">
-              <a:spAutoFit/>
-            </a:bodyPr>
-            <a:lstStyle/>
-            <a:p>
-              <a:pPr>
-                <a:lnSpc>
-                  <a:spcPts val="4199"/>
-                </a:lnSpc>
-              </a:pPr>
-              <a:r>
-                <a:rPr lang="en-US" sz="2999" spc="167">
-                  <a:solidFill>
-                    <a:srgbClr val="FFFFFF"/>
-                  </a:solidFill>
-                  <a:latin typeface="Monument Bold"/>
-                </a:rPr>
-                <a:t>Step 2</a:t>
-              </a:r>
-            </a:p>
-          </p:txBody>
-        </p:sp>
-      </p:grpSp>
-      <p:sp>
-        <p:nvSpPr>
-          <p:cNvPr name="TextBox 38" id="38"/>
-          <p:cNvSpPr txBox="true"/>
-          <p:nvPr/>
-        </p:nvSpPr>
-        <p:spPr>
-          <a:xfrm rot="0">
-            <a:off x="2007052" y="7792185"/>
-            <a:ext cx="4039899" cy="1590675"/>
-          </a:xfrm>
-          <a:prstGeom prst="rect">
-            <a:avLst/>
-          </a:prstGeom>
-        </p:spPr>
-        <p:txBody>
-          <a:bodyPr anchor="t" rtlCol="false" tIns="0" lIns="0" bIns="0" rIns="0">
-            <a:spAutoFit/>
-          </a:bodyPr>
-          <a:lstStyle/>
-          <a:p>
-            <a:pPr>
-              <a:lnSpc>
-                <a:spcPts val="4199"/>
-              </a:lnSpc>
-            </a:pPr>
-            <a:r>
-              <a:rPr lang="en-US" sz="2999" spc="167">
-                <a:solidFill>
-                  <a:srgbClr val="FFFFFF"/>
-                </a:solidFill>
-                <a:latin typeface="Monument Bold"/>
-              </a:rPr>
-              <a:t>GET REQUEST FROM FRONTEND</a:t>
-            </a:r>
-          </a:p>
-        </p:txBody>
-      </p:sp>
-      <p:sp>
-        <p:nvSpPr>
-          <p:cNvPr name="TextBox 39" id="39"/>
-          <p:cNvSpPr txBox="true"/>
-          <p:nvPr/>
-        </p:nvSpPr>
-        <p:spPr>
-          <a:xfrm rot="0">
-            <a:off x="13773100" y="7792185"/>
-            <a:ext cx="3923331" cy="1590675"/>
-          </a:xfrm>
-          <a:prstGeom prst="rect">
-            <a:avLst/>
-          </a:prstGeom>
-        </p:spPr>
-        <p:txBody>
-          <a:bodyPr anchor="t" rtlCol="false" tIns="0" lIns="0" bIns="0" rIns="0">
-            <a:spAutoFit/>
-          </a:bodyPr>
-          <a:lstStyle/>
-          <a:p>
-            <a:pPr>
-              <a:lnSpc>
-                <a:spcPts val="4199"/>
-              </a:lnSpc>
-            </a:pPr>
-            <a:r>
-              <a:rPr lang="en-US" sz="2999" spc="167">
-                <a:solidFill>
-                  <a:srgbClr val="FFFFFF"/>
-                </a:solidFill>
-                <a:latin typeface="Monument Bold"/>
-              </a:rPr>
-              <a:t>DATABASE RESPONSE TO FRONTEND</a:t>
-            </a:r>
-          </a:p>
-        </p:txBody>
-      </p:sp>
-      <p:sp>
-        <p:nvSpPr>
-          <p:cNvPr name="TextBox 40" id="40"/>
-          <p:cNvSpPr txBox="true"/>
-          <p:nvPr/>
-        </p:nvSpPr>
-        <p:spPr>
-          <a:xfrm rot="0">
-            <a:off x="7897220" y="7792185"/>
-            <a:ext cx="4069041" cy="1590675"/>
-          </a:xfrm>
-          <a:prstGeom prst="rect">
-            <a:avLst/>
-          </a:prstGeom>
-        </p:spPr>
-        <p:txBody>
-          <a:bodyPr anchor="t" rtlCol="false" tIns="0" lIns="0" bIns="0" rIns="0">
-            <a:spAutoFit/>
-          </a:bodyPr>
-          <a:lstStyle/>
-          <a:p>
-            <a:pPr>
-              <a:lnSpc>
-                <a:spcPts val="4199"/>
-              </a:lnSpc>
-            </a:pPr>
-            <a:r>
-              <a:rPr lang="en-US" sz="2999" spc="167">
-                <a:solidFill>
-                  <a:srgbClr val="FFFFFF"/>
-                </a:solidFill>
-                <a:latin typeface="Monument Bold"/>
-              </a:rPr>
-              <a:t>SPRING WORKING AS MIDDLEWARE</a:t>
-            </a:r>
-          </a:p>
-        </p:txBody>
-      </p:sp>
-    </p:spTree>
-  </p:cSld>
-  <p:clrMapOvr>
-    <a:masterClrMapping/>
-  </p:clrMapOvr>
-</p:sld>
-</file>
-
-<file path=ppt/slides/slide7.xml><?xml version="1.0" encoding="utf-8"?>
-<p:sld xmlns:p="http://schemas.openxmlformats.org/presentationml/2006/main" xmlns:a="http://schemas.openxmlformats.org/drawingml/2006/main" xmlns:r="http://schemas.openxmlformats.org/officeDocument/2006/relationships">
-  <p:cSld>
-    <p:bg>
-      <p:bgPr>
-        <a:solidFill>
-          <a:srgbClr val="2015E8"/>
-        </a:solidFill>
-      </p:bgPr>
-    </p:bg>
-    <p:spTree>
-      <p:nvGrpSpPr>
-        <p:cNvPr id="1" name=""/>
-        <p:cNvGrpSpPr/>
-        <p:nvPr/>
-      </p:nvGrpSpPr>
-      <p:grpSpPr>
-        <a:xfrm>
-          <a:off x="0" y="0"/>
-          <a:ext cx="0" cy="0"/>
-          <a:chOff x="0" y="0"/>
-          <a:chExt cx="0" cy="0"/>
-        </a:xfrm>
-      </p:grpSpPr>
-      <p:sp>
-        <p:nvSpPr>
-          <p:cNvPr name="TextBox 2" id="2"/>
-          <p:cNvSpPr txBox="true"/>
-          <p:nvPr/>
-        </p:nvSpPr>
-        <p:spPr>
-          <a:xfrm rot="0">
-            <a:off x="1028700" y="209833"/>
-            <a:ext cx="8270611" cy="1061720"/>
-          </a:xfrm>
-          <a:prstGeom prst="rect">
-            <a:avLst/>
-          </a:prstGeom>
-        </p:spPr>
-        <p:txBody>
-          <a:bodyPr anchor="t" rtlCol="false" tIns="0" lIns="0" bIns="0" rIns="0">
-            <a:spAutoFit/>
-          </a:bodyPr>
-          <a:lstStyle/>
-          <a:p>
-            <a:pPr>
-              <a:lnSpc>
-                <a:spcPts val="8680"/>
-              </a:lnSpc>
-            </a:pPr>
-            <a:r>
-              <a:rPr lang="en-US" sz="6200">
-                <a:solidFill>
-                  <a:srgbClr val="D8990F"/>
-                </a:solidFill>
-                <a:latin typeface="Monument"/>
-              </a:rPr>
-              <a:t>WORKING</a:t>
-            </a:r>
-          </a:p>
-        </p:txBody>
-      </p:sp>
-      <p:pic>
-        <p:nvPicPr>
-          <p:cNvPr name="Picture 3" id="3"/>
-          <p:cNvPicPr>
-            <a:picLocks noChangeAspect="true"/>
-          </p:cNvPicPr>
-          <p:nvPr/>
-        </p:nvPicPr>
-        <p:blipFill>
-          <a:blip r:embed="rId2">
-            <a:extLst>
-              <a:ext uri="{28A0092B-C50C-407E-A947-70E740481C1C}">
-                <a14:useLocalDpi xmlns:a14="http://schemas.microsoft.com/office/drawing/2010/main" val="0"/>
-              </a:ext>
-              <a:ext uri="{96DAC541-7B7A-43D3-8B79-37D633B846F1}">
-                <asvg:svgBlip xmlns:asvg="http://schemas.microsoft.com/office/drawing/2016/SVG/main" r:embed="rId3"/>
-              </a:ext>
-            </a:extLst>
-          </a:blip>
-          <a:srcRect l="0" t="0" r="0" b="0"/>
-          <a:stretch>
-            <a:fillRect/>
-          </a:stretch>
-        </p:blipFill>
-        <p:spPr>
-          <a:xfrm flipH="false" flipV="false" rot="0">
-            <a:off x="7322736" y="785847"/>
-            <a:ext cx="485706" cy="485706"/>
-          </a:xfrm>
-          <a:prstGeom prst="rect">
-            <a:avLst/>
-          </a:prstGeom>
-        </p:spPr>
-      </p:pic>
-      <p:pic>
-        <p:nvPicPr>
-          <p:cNvPr name="Picture 4" id="4"/>
-          <p:cNvPicPr>
-            <a:picLocks noChangeAspect="true"/>
-          </p:cNvPicPr>
-          <p:nvPr/>
-        </p:nvPicPr>
-        <p:blipFill>
-          <a:blip r:embed="rId2">
-            <a:extLst>
-              <a:ext uri="{28A0092B-C50C-407E-A947-70E740481C1C}">
-                <a14:useLocalDpi xmlns:a14="http://schemas.microsoft.com/office/drawing/2010/main" val="0"/>
-              </a:ext>
-              <a:ext uri="{96DAC541-7B7A-43D3-8B79-37D633B846F1}">
-                <asvg:svgBlip xmlns:asvg="http://schemas.microsoft.com/office/drawing/2016/SVG/main" r:embed="rId3"/>
-              </a:ext>
-            </a:extLst>
-          </a:blip>
-          <a:srcRect l="0" t="0" r="0" b="0"/>
-          <a:stretch>
-            <a:fillRect/>
-          </a:stretch>
-        </p:blipFill>
-        <p:spPr>
-          <a:xfrm flipH="false" flipV="false" rot="0">
-            <a:off x="17137874" y="542994"/>
-            <a:ext cx="242853" cy="242853"/>
-          </a:xfrm>
-          <a:prstGeom prst="rect">
-            <a:avLst/>
-          </a:prstGeom>
-        </p:spPr>
-      </p:pic>
-      <p:pic>
-        <p:nvPicPr>
-          <p:cNvPr name="Picture 5" id="5"/>
-          <p:cNvPicPr>
-            <a:picLocks noChangeAspect="true"/>
-          </p:cNvPicPr>
-          <p:nvPr/>
-        </p:nvPicPr>
-        <p:blipFill>
-          <a:blip r:embed="rId4"/>
-          <a:srcRect l="0" t="0" r="0" b="0"/>
-          <a:stretch>
-            <a:fillRect/>
-          </a:stretch>
-        </p:blipFill>
-        <p:spPr>
-          <a:xfrm flipH="false" flipV="false" rot="0">
-            <a:off x="1595013" y="1271553"/>
-            <a:ext cx="13308146" cy="2707224"/>
-          </a:xfrm>
-          <a:prstGeom prst="rect">
-            <a:avLst/>
-          </a:prstGeom>
-        </p:spPr>
-      </p:pic>
-      <p:pic>
-        <p:nvPicPr>
-          <p:cNvPr name="Picture 6" id="6"/>
-          <p:cNvPicPr>
-            <a:picLocks noChangeAspect="true"/>
-          </p:cNvPicPr>
-          <p:nvPr/>
-        </p:nvPicPr>
-        <p:blipFill>
-          <a:blip r:embed="rId5"/>
-          <a:srcRect l="0" t="0" r="0" b="0"/>
-          <a:stretch>
-            <a:fillRect/>
-          </a:stretch>
-        </p:blipFill>
-        <p:spPr>
-          <a:xfrm flipH="false" flipV="false" rot="0">
-            <a:off x="1595013" y="4396943"/>
-            <a:ext cx="10132439" cy="5256998"/>
-          </a:xfrm>
-          <a:prstGeom prst="rect">
-            <a:avLst/>
-          </a:prstGeom>
-        </p:spPr>
-      </p:pic>
-    </p:spTree>
-  </p:cSld>
-  <p:clrMapOvr>
-    <a:masterClrMapping/>
-  </p:clrMapOvr>
-</p:sld>
-</file>
-
-<file path=ppt/slides/slide8.xml><?xml version="1.0" encoding="utf-8"?>
-<p:sld xmlns:p="http://schemas.openxmlformats.org/presentationml/2006/main" xmlns:a="http://schemas.openxmlformats.org/drawingml/2006/main" xmlns:r="http://schemas.openxmlformats.org/officeDocument/2006/relationships">
-  <p:cSld>
-    <p:bg>
-      <p:bgPr>
-        <a:solidFill>
-          <a:srgbClr val="2015E8"/>
-        </a:solidFill>
-      </p:bgPr>
-    </p:bg>
-    <p:spTree>
-      <p:nvGrpSpPr>
-        <p:cNvPr id="1" name=""/>
-        <p:cNvGrpSpPr/>
-        <p:nvPr/>
-      </p:nvGrpSpPr>
-      <p:grpSpPr>
-        <a:xfrm>
-          <a:off x="0" y="0"/>
-          <a:ext cx="0" cy="0"/>
-          <a:chOff x="0" y="0"/>
-          <a:chExt cx="0" cy="0"/>
-        </a:xfrm>
-      </p:grpSpPr>
-      <p:grpSp>
-        <p:nvGrpSpPr>
-          <p:cNvPr name="Group 2" id="2"/>
-          <p:cNvGrpSpPr/>
-          <p:nvPr/>
-        </p:nvGrpSpPr>
-        <p:grpSpPr>
-          <a:xfrm rot="0">
-            <a:off x="10594029" y="421804"/>
-            <a:ext cx="6984083" cy="6984083"/>
-            <a:chOff x="0" y="0"/>
-            <a:chExt cx="6350000" cy="6350000"/>
-          </a:xfrm>
-        </p:grpSpPr>
-        <p:sp>
-          <p:nvSpPr>
-            <p:cNvPr name="Freeform 3" id="3"/>
-            <p:cNvSpPr/>
-            <p:nvPr/>
-          </p:nvSpPr>
-          <p:spPr>
-            <a:xfrm>
-              <a:off x="14167" y="0"/>
-              <a:ext cx="6321665" cy="6350000"/>
-            </a:xfrm>
-            <a:custGeom>
-              <a:avLst/>
-              <a:gdLst/>
-              <a:ahLst/>
-              <a:cxnLst/>
-              <a:rect r="r" b="b" t="t" l="l"/>
-              <a:pathLst>
-                <a:path h="6350000" w="6321665">
-                  <a:moveTo>
-                    <a:pt x="3160833" y="0"/>
-                  </a:moveTo>
-                  <a:lnTo>
-                    <a:pt x="3160833" y="0"/>
-                  </a:lnTo>
-                  <a:cubicBezTo>
-                    <a:pt x="4908795" y="7817"/>
-                    <a:pt x="6321666" y="1427021"/>
-                    <a:pt x="6321666" y="3175000"/>
-                  </a:cubicBezTo>
-                  <a:cubicBezTo>
-                    <a:pt x="6321666" y="4922979"/>
-                    <a:pt x="4908795" y="6342183"/>
-                    <a:pt x="3160833" y="6350000"/>
-                  </a:cubicBezTo>
-                  <a:cubicBezTo>
-                    <a:pt x="1412871" y="6342183"/>
-                    <a:pt x="0" y="4922979"/>
-                    <a:pt x="0" y="3175000"/>
-                  </a:cubicBezTo>
-                  <a:cubicBezTo>
-                    <a:pt x="0" y="1427021"/>
-                    <a:pt x="1412871" y="7817"/>
-                    <a:pt x="3160833" y="0"/>
-                  </a:cubicBezTo>
-                  <a:close/>
-                </a:path>
-              </a:pathLst>
-            </a:custGeom>
-            <a:solidFill>
-              <a:srgbClr val="D8990F"/>
-            </a:solidFill>
-          </p:spPr>
-        </p:sp>
-      </p:grpSp>
-      <p:grpSp>
-        <p:nvGrpSpPr>
-          <p:cNvPr name="Group 4" id="4"/>
-          <p:cNvGrpSpPr>
-            <a:grpSpLocks noChangeAspect="true"/>
-          </p:cNvGrpSpPr>
-          <p:nvPr/>
-        </p:nvGrpSpPr>
-        <p:grpSpPr>
-          <a:xfrm rot="0">
-            <a:off x="1752831" y="421804"/>
-            <a:ext cx="12333240" cy="9902249"/>
-            <a:chOff x="0" y="0"/>
-            <a:chExt cx="7467600" cy="5995670"/>
-          </a:xfrm>
-        </p:grpSpPr>
-        <p:sp>
-          <p:nvSpPr>
-            <p:cNvPr name="Freeform 5" id="5"/>
-            <p:cNvSpPr/>
-            <p:nvPr/>
-          </p:nvSpPr>
-          <p:spPr>
-            <a:xfrm>
-              <a:off x="0" y="0"/>
-              <a:ext cx="7467600" cy="4513580"/>
-            </a:xfrm>
-            <a:custGeom>
-              <a:avLst/>
-              <a:gdLst/>
-              <a:ahLst/>
-              <a:cxnLst/>
-              <a:rect r="r" b="b" t="t" l="l"/>
-              <a:pathLst>
-                <a:path h="4513580" w="7467600">
-                  <a:moveTo>
-                    <a:pt x="7127240" y="0"/>
-                  </a:moveTo>
-                  <a:lnTo>
-                    <a:pt x="340360" y="0"/>
-                  </a:lnTo>
-                  <a:cubicBezTo>
-                    <a:pt x="152400" y="0"/>
-                    <a:pt x="0" y="152400"/>
-                    <a:pt x="0" y="340360"/>
-                  </a:cubicBezTo>
-                  <a:lnTo>
-                    <a:pt x="0" y="4513580"/>
-                  </a:lnTo>
-                  <a:lnTo>
-                    <a:pt x="7467600" y="4513580"/>
-                  </a:lnTo>
-                  <a:lnTo>
-                    <a:pt x="7467600" y="340360"/>
-                  </a:lnTo>
-                  <a:cubicBezTo>
-                    <a:pt x="7467600" y="152400"/>
-                    <a:pt x="7315200" y="0"/>
-                    <a:pt x="7127240" y="0"/>
-                  </a:cubicBezTo>
-                  <a:close/>
-                  <a:moveTo>
-                    <a:pt x="7142480" y="4188460"/>
-                  </a:moveTo>
-                  <a:lnTo>
-                    <a:pt x="314961" y="4188460"/>
-                  </a:lnTo>
-                  <a:lnTo>
-                    <a:pt x="314961" y="353060"/>
-                  </a:lnTo>
-                  <a:lnTo>
-                    <a:pt x="7142480" y="353060"/>
-                  </a:lnTo>
-                  <a:lnTo>
-                    <a:pt x="7142480" y="4188460"/>
-                  </a:lnTo>
-                  <a:close/>
-                </a:path>
-              </a:pathLst>
-            </a:custGeom>
-            <a:solidFill>
-              <a:srgbClr val="FFFFFF"/>
-            </a:solidFill>
-          </p:spPr>
-        </p:sp>
-        <p:sp>
-          <p:nvSpPr>
-            <p:cNvPr name="Freeform 6" id="6"/>
-            <p:cNvSpPr/>
-            <p:nvPr/>
-          </p:nvSpPr>
-          <p:spPr>
-            <a:xfrm>
-              <a:off x="0" y="4514850"/>
-              <a:ext cx="7467600" cy="695960"/>
-            </a:xfrm>
-            <a:custGeom>
-              <a:avLst/>
-              <a:gdLst/>
-              <a:ahLst/>
-              <a:cxnLst/>
-              <a:rect r="r" b="b" t="t" l="l"/>
-              <a:pathLst>
-                <a:path h="695960" w="7467600">
-                  <a:moveTo>
-                    <a:pt x="0" y="355600"/>
-                  </a:moveTo>
-                  <a:cubicBezTo>
-                    <a:pt x="0" y="543560"/>
-                    <a:pt x="152400" y="695960"/>
-                    <a:pt x="340360" y="695960"/>
-                  </a:cubicBezTo>
-                  <a:lnTo>
-                    <a:pt x="7127240" y="695960"/>
-                  </a:lnTo>
-                  <a:cubicBezTo>
-                    <a:pt x="7315200" y="695960"/>
-                    <a:pt x="7467600" y="543560"/>
-                    <a:pt x="7467600" y="355600"/>
-                  </a:cubicBezTo>
-                  <a:lnTo>
-                    <a:pt x="7467600" y="0"/>
-                  </a:lnTo>
-                  <a:lnTo>
-                    <a:pt x="0" y="0"/>
-                  </a:lnTo>
-                  <a:lnTo>
-                    <a:pt x="0" y="355600"/>
-                  </a:lnTo>
-                  <a:close/>
-                </a:path>
-              </a:pathLst>
-            </a:custGeom>
-            <a:solidFill>
-              <a:srgbClr val="272727"/>
-            </a:solidFill>
-          </p:spPr>
-        </p:sp>
-        <p:sp>
-          <p:nvSpPr>
-            <p:cNvPr name="Freeform 7" id="7"/>
-            <p:cNvSpPr/>
-            <p:nvPr/>
-          </p:nvSpPr>
-          <p:spPr>
-            <a:xfrm>
-              <a:off x="2429510" y="5210810"/>
-              <a:ext cx="2606040" cy="791210"/>
-            </a:xfrm>
-            <a:custGeom>
-              <a:avLst/>
-              <a:gdLst/>
-              <a:ahLst/>
-              <a:cxnLst/>
-              <a:rect r="r" b="b" t="t" l="l"/>
-              <a:pathLst>
-                <a:path h="791210" w="2606040">
-                  <a:moveTo>
-                    <a:pt x="1258570" y="0"/>
-                  </a:moveTo>
-                  <a:lnTo>
-                    <a:pt x="453390" y="0"/>
-                  </a:lnTo>
-                  <a:cubicBezTo>
-                    <a:pt x="453390" y="0"/>
-                    <a:pt x="429260" y="370840"/>
-                    <a:pt x="403860" y="525780"/>
-                  </a:cubicBezTo>
-                  <a:cubicBezTo>
-                    <a:pt x="359410" y="791210"/>
-                    <a:pt x="87630" y="706120"/>
-                    <a:pt x="10160" y="762000"/>
-                  </a:cubicBezTo>
-                  <a:cubicBezTo>
-                    <a:pt x="0" y="769620"/>
-                    <a:pt x="5080" y="786130"/>
-                    <a:pt x="17780" y="786130"/>
-                  </a:cubicBezTo>
-                  <a:lnTo>
-                    <a:pt x="2588260" y="786130"/>
-                  </a:lnTo>
-                  <a:cubicBezTo>
-                    <a:pt x="2600960" y="786130"/>
-                    <a:pt x="2606040" y="769620"/>
-                    <a:pt x="2595880" y="762000"/>
-                  </a:cubicBezTo>
-                  <a:cubicBezTo>
-                    <a:pt x="2518410" y="706120"/>
-                    <a:pt x="2246630" y="791210"/>
-                    <a:pt x="2202180" y="525780"/>
-                  </a:cubicBezTo>
-                  <a:cubicBezTo>
-                    <a:pt x="2176780" y="370840"/>
-                    <a:pt x="2152650" y="0"/>
-                    <a:pt x="2152650" y="0"/>
-                  </a:cubicBezTo>
-                  <a:lnTo>
-                    <a:pt x="1258570" y="0"/>
-                  </a:lnTo>
-                  <a:close/>
-                </a:path>
-              </a:pathLst>
-            </a:custGeom>
-            <a:solidFill>
-              <a:srgbClr val="000000"/>
-            </a:solidFill>
-          </p:spPr>
-        </p:sp>
-        <p:sp>
-          <p:nvSpPr>
-            <p:cNvPr name="Freeform 8" id="8"/>
-            <p:cNvSpPr/>
-            <p:nvPr/>
-          </p:nvSpPr>
-          <p:spPr>
-            <a:xfrm>
-              <a:off x="314960" y="353060"/>
-              <a:ext cx="6827520" cy="3835400"/>
-            </a:xfrm>
-            <a:custGeom>
-              <a:avLst/>
-              <a:gdLst/>
-              <a:ahLst/>
-              <a:cxnLst/>
-              <a:rect r="r" b="b" t="t" l="l"/>
-              <a:pathLst>
-                <a:path h="3835400" w="6827520">
-                  <a:moveTo>
-                    <a:pt x="0" y="0"/>
-                  </a:moveTo>
-                  <a:lnTo>
-                    <a:pt x="6827520" y="0"/>
-                  </a:lnTo>
-                  <a:lnTo>
-                    <a:pt x="6827520" y="3835400"/>
-                  </a:lnTo>
-                  <a:lnTo>
-                    <a:pt x="0" y="3835400"/>
-                  </a:lnTo>
-                  <a:close/>
-                </a:path>
-              </a:pathLst>
-            </a:custGeom>
-            <a:blipFill>
-              <a:blip r:embed="rId2"/>
-              <a:stretch>
-                <a:fillRect l="4217" r="4353" t="5846" b="30099"/>
-              </a:stretch>
-            </a:blipFill>
-          </p:spPr>
-        </p:sp>
-      </p:grpSp>
-      <p:pic>
-        <p:nvPicPr>
-          <p:cNvPr name="Picture 9" id="9"/>
-          <p:cNvPicPr>
-            <a:picLocks noChangeAspect="true"/>
-          </p:cNvPicPr>
-          <p:nvPr/>
-        </p:nvPicPr>
-        <p:blipFill>
-          <a:blip r:embed="rId3">
-            <a:extLst>
-              <a:ext uri="{28A0092B-C50C-407E-A947-70E740481C1C}">
-                <a14:useLocalDpi xmlns:a14="http://schemas.microsoft.com/office/drawing/2010/main" val="0"/>
-              </a:ext>
-              <a:ext uri="{96DAC541-7B7A-43D3-8B79-37D633B846F1}">
-                <asvg:svgBlip xmlns:asvg="http://schemas.microsoft.com/office/drawing/2016/SVG/main" r:embed="rId4"/>
-              </a:ext>
-            </a:extLst>
-          </a:blip>
-          <a:srcRect l="0" t="0" r="0" b="0"/>
-          <a:stretch>
-            <a:fillRect/>
-          </a:stretch>
-        </p:blipFill>
-        <p:spPr>
-          <a:xfrm flipH="false" flipV="false" rot="0">
-            <a:off x="6408039" y="1427583"/>
-            <a:ext cx="278469" cy="278469"/>
-          </a:xfrm>
-          <a:prstGeom prst="rect">
-            <a:avLst/>
-          </a:prstGeom>
-        </p:spPr>
-      </p:pic>
-      <p:pic>
-        <p:nvPicPr>
-          <p:cNvPr name="Picture 10" id="10"/>
-          <p:cNvPicPr>
-            <a:picLocks noChangeAspect="true"/>
-          </p:cNvPicPr>
-          <p:nvPr/>
-        </p:nvPicPr>
-        <p:blipFill>
-          <a:blip r:embed="rId3">
-            <a:extLst>
-              <a:ext uri="{28A0092B-C50C-407E-A947-70E740481C1C}">
-                <a14:useLocalDpi xmlns:a14="http://schemas.microsoft.com/office/drawing/2010/main" val="0"/>
-              </a:ext>
-              <a:ext uri="{96DAC541-7B7A-43D3-8B79-37D633B846F1}">
-                <asvg:svgBlip xmlns:asvg="http://schemas.microsoft.com/office/drawing/2016/SVG/main" r:embed="rId4"/>
-              </a:ext>
-            </a:extLst>
-          </a:blip>
-          <a:srcRect l="0" t="0" r="0" b="0"/>
-          <a:stretch>
-            <a:fillRect/>
-          </a:stretch>
-        </p:blipFill>
-        <p:spPr>
-          <a:xfrm flipH="false" flipV="false" rot="0">
-            <a:off x="16580739" y="8579782"/>
-            <a:ext cx="366437" cy="366437"/>
-          </a:xfrm>
-          <a:prstGeom prst="rect">
-            <a:avLst/>
-          </a:prstGeom>
-        </p:spPr>
-      </p:pic>
-      <p:pic>
-        <p:nvPicPr>
-          <p:cNvPr name="Picture 11" id="11"/>
-          <p:cNvPicPr>
-            <a:picLocks noChangeAspect="true"/>
-          </p:cNvPicPr>
-          <p:nvPr/>
-        </p:nvPicPr>
-        <p:blipFill>
-          <a:blip r:embed="rId3">
-            <a:extLst>
-              <a:ext uri="{28A0092B-C50C-407E-A947-70E740481C1C}">
-                <a14:useLocalDpi xmlns:a14="http://schemas.microsoft.com/office/drawing/2010/main" val="0"/>
-              </a:ext>
-              <a:ext uri="{96DAC541-7B7A-43D3-8B79-37D633B846F1}">
-                <asvg:svgBlip xmlns:asvg="http://schemas.microsoft.com/office/drawing/2016/SVG/main" r:embed="rId4"/>
-              </a:ext>
-            </a:extLst>
-          </a:blip>
-          <a:srcRect l="0" t="0" r="0" b="0"/>
-          <a:stretch>
-            <a:fillRect/>
-          </a:stretch>
-        </p:blipFill>
-        <p:spPr>
-          <a:xfrm flipH="false" flipV="false" rot="0">
-            <a:off x="14965405" y="1211919"/>
-            <a:ext cx="621829" cy="621829"/>
-          </a:xfrm>
-          <a:prstGeom prst="rect">
-            <a:avLst/>
-          </a:prstGeom>
-        </p:spPr>
-      </p:pic>
-    </p:spTree>
-  </p:cSld>
-  <p:clrMapOvr>
-    <a:masterClrMapping/>
-  </p:clrMapOvr>
-</p:sld>
-</file>
-
-<file path=ppt/slides/slide9.xml><?xml version="1.0" encoding="utf-8"?>
-<p:sld xmlns:p="http://schemas.openxmlformats.org/presentationml/2006/main" xmlns:a="http://schemas.openxmlformats.org/drawingml/2006/main">
-  <p:cSld>
-    <p:bg>
-      <p:bgPr>
-        <a:solidFill>
-          <a:srgbClr val="2015E8"/>
-        </a:solidFill>
-      </p:bgPr>
-    </p:bg>
-    <p:spTree>
-      <p:nvGrpSpPr>
-        <p:cNvPr id="1" name=""/>
-        <p:cNvGrpSpPr/>
-        <p:nvPr/>
-      </p:nvGrpSpPr>
-      <p:grpSpPr>
-        <a:xfrm>
-          <a:off x="0" y="0"/>
-          <a:ext cx="0" cy="0"/>
-          <a:chOff x="0" y="0"/>
-          <a:chExt cx="0" cy="0"/>
-        </a:xfrm>
-      </p:grpSpPr>
-      <p:sp>
-        <p:nvSpPr>
-          <p:cNvPr name="TextBox 2" id="2"/>
-          <p:cNvSpPr txBox="true"/>
-          <p:nvPr/>
-        </p:nvSpPr>
-        <p:spPr>
-          <a:xfrm rot="0">
-            <a:off x="1028700" y="435927"/>
-            <a:ext cx="13496258" cy="1061720"/>
-          </a:xfrm>
-          <a:prstGeom prst="rect">
-            <a:avLst/>
-          </a:prstGeom>
-        </p:spPr>
-        <p:txBody>
-          <a:bodyPr anchor="t" rtlCol="false" tIns="0" lIns="0" bIns="0" rIns="0">
-            <a:spAutoFit/>
-          </a:bodyPr>
-          <a:lstStyle/>
-          <a:p>
-            <a:pPr>
-              <a:lnSpc>
-                <a:spcPts val="8680"/>
-              </a:lnSpc>
-            </a:pPr>
-            <a:r>
-              <a:rPr lang="en-US" sz="6200">
-                <a:solidFill>
-                  <a:srgbClr val="D8990F"/>
-                </a:solidFill>
-                <a:latin typeface="Monument"/>
-              </a:rPr>
-              <a:t>TOOLS USED</a:t>
-            </a:r>
-          </a:p>
-        </p:txBody>
-      </p:sp>
-      <p:grpSp>
-        <p:nvGrpSpPr>
-          <p:cNvPr name="Group 3" id="3"/>
-          <p:cNvGrpSpPr/>
-          <p:nvPr/>
-        </p:nvGrpSpPr>
-        <p:grpSpPr>
-          <a:xfrm rot="0">
-            <a:off x="1028700" y="2152201"/>
-            <a:ext cx="15434993" cy="8487307"/>
-            <a:chOff x="0" y="0"/>
-            <a:chExt cx="20579991" cy="11316409"/>
-          </a:xfrm>
-        </p:grpSpPr>
-        <p:sp>
-          <p:nvSpPr>
-            <p:cNvPr name="TextBox 4" id="4"/>
-            <p:cNvSpPr txBox="true"/>
-            <p:nvPr/>
-          </p:nvSpPr>
-          <p:spPr>
-            <a:xfrm rot="0">
-              <a:off x="0" y="2260391"/>
-              <a:ext cx="20579991" cy="9056018"/>
-            </a:xfrm>
-            <a:prstGeom prst="rect">
-              <a:avLst/>
-            </a:prstGeom>
-          </p:spPr>
-          <p:txBody>
-            <a:bodyPr anchor="t" rtlCol="false" tIns="0" lIns="0" bIns="0" rIns="0">
-              <a:spAutoFit/>
-            </a:bodyPr>
-            <a:lstStyle/>
-            <a:p>
-              <a:pPr>
-                <a:lnSpc>
-                  <a:spcPts val="4442"/>
-                </a:lnSpc>
-              </a:pPr>
-              <a:r>
-                <a:rPr lang="en-US" sz="4152">
-                  <a:solidFill>
-                    <a:srgbClr val="FFFFFF"/>
-                  </a:solidFill>
-                  <a:latin typeface="Breul Grotesk Light"/>
-                </a:rPr>
-                <a:t>-JAVA</a:t>
-              </a:r>
-            </a:p>
-            <a:p>
-              <a:pPr>
-                <a:lnSpc>
-                  <a:spcPts val="4442"/>
-                </a:lnSpc>
-              </a:pPr>
-              <a:r>
-                <a:rPr lang="en-US" sz="4152">
-                  <a:solidFill>
-                    <a:srgbClr val="FFFFFF"/>
-                  </a:solidFill>
-                  <a:latin typeface="Breul Grotesk Light"/>
-                </a:rPr>
-                <a:t> -Spring Boot</a:t>
-              </a:r>
-            </a:p>
-            <a:p>
-              <a:pPr>
-                <a:lnSpc>
-                  <a:spcPts val="4442"/>
-                </a:lnSpc>
-              </a:pPr>
-              <a:r>
-                <a:rPr lang="en-US" sz="4152">
-                  <a:solidFill>
-                    <a:srgbClr val="FFFFFF"/>
-                  </a:solidFill>
-                  <a:latin typeface="Breul Grotesk Light"/>
-                </a:rPr>
-                <a:t>-JPA</a:t>
-              </a:r>
-            </a:p>
-            <a:p>
-              <a:pPr>
-                <a:lnSpc>
-                  <a:spcPts val="4442"/>
-                </a:lnSpc>
-              </a:pPr>
-              <a:r>
-                <a:rPr lang="en-US" sz="4152">
-                  <a:solidFill>
-                    <a:srgbClr val="FFFFFF"/>
-                  </a:solidFill>
-                  <a:latin typeface="Breul Grotesk Light"/>
-                </a:rPr>
-                <a:t>-My SQL Connector</a:t>
-              </a:r>
-            </a:p>
-            <a:p>
-              <a:pPr>
-                <a:lnSpc>
-                  <a:spcPts val="4442"/>
-                </a:lnSpc>
-              </a:pPr>
-              <a:r>
-                <a:rPr lang="en-US" sz="4152">
-                  <a:solidFill>
-                    <a:srgbClr val="FFFFFF"/>
-                  </a:solidFill>
-                  <a:latin typeface="Breul Grotesk Light"/>
-                </a:rPr>
-                <a:t>-Maven (Java build Automation Tool)</a:t>
-              </a:r>
-            </a:p>
-            <a:p>
-              <a:pPr>
-                <a:lnSpc>
-                  <a:spcPts val="4442"/>
-                </a:lnSpc>
-              </a:pPr>
-            </a:p>
-            <a:p>
-              <a:pPr>
-                <a:lnSpc>
-                  <a:spcPts val="4442"/>
-                </a:lnSpc>
-              </a:pPr>
-              <a:r>
-                <a:rPr lang="en-US" sz="4152">
-                  <a:solidFill>
-                    <a:srgbClr val="FFFFFF"/>
-                  </a:solidFill>
-                  <a:latin typeface="Breul Grotesk Light"/>
-                </a:rPr>
-                <a:t>-JAVASCRIPT</a:t>
-              </a:r>
-            </a:p>
-            <a:p>
-              <a:pPr>
-                <a:lnSpc>
-                  <a:spcPts val="4442"/>
-                </a:lnSpc>
-              </a:pPr>
-              <a:r>
-                <a:rPr lang="en-US" sz="4152">
-                  <a:solidFill>
-                    <a:srgbClr val="FFFFFF"/>
-                  </a:solidFill>
-                  <a:latin typeface="Breul Grotesk Light"/>
-                </a:rPr>
-                <a:t>-React JS (for frontend ui)</a:t>
-              </a:r>
-            </a:p>
-            <a:p>
-              <a:pPr>
-                <a:lnSpc>
-                  <a:spcPts val="4442"/>
-                </a:lnSpc>
-              </a:pPr>
-              <a:r>
-                <a:rPr lang="en-US" sz="4152">
-                  <a:solidFill>
-                    <a:srgbClr val="FFFFFF"/>
-                  </a:solidFill>
-                  <a:latin typeface="Breul Grotesk Light"/>
-                </a:rPr>
-                <a:t>-Axios (for frontend request handle)</a:t>
-              </a:r>
-            </a:p>
-            <a:p>
-              <a:pPr>
-                <a:lnSpc>
-                  <a:spcPts val="4442"/>
-                </a:lnSpc>
-              </a:pPr>
-            </a:p>
-            <a:p>
-              <a:pPr>
-                <a:lnSpc>
-                  <a:spcPts val="4442"/>
-                </a:lnSpc>
-              </a:pPr>
-              <a:r>
-                <a:rPr lang="en-US" sz="4152">
-                  <a:solidFill>
-                    <a:srgbClr val="FFFFFF"/>
-                  </a:solidFill>
-                  <a:latin typeface="Breul Grotesk Light"/>
-                </a:rPr>
-                <a:t>-MYSQL</a:t>
-              </a:r>
-            </a:p>
-            <a:p>
-              <a:pPr>
-                <a:lnSpc>
-                  <a:spcPts val="4442"/>
-                </a:lnSpc>
-              </a:pPr>
-            </a:p>
-          </p:txBody>
-        </p:sp>
-        <p:sp>
-          <p:nvSpPr>
-            <p:cNvPr name="TextBox 5" id="5"/>
-            <p:cNvSpPr txBox="true"/>
-            <p:nvPr/>
-          </p:nvSpPr>
-          <p:spPr>
-            <a:xfrm rot="0">
-              <a:off x="0" y="-76200"/>
-              <a:ext cx="20579991" cy="1738032"/>
-            </a:xfrm>
-            <a:prstGeom prst="rect">
-              <a:avLst/>
-            </a:prstGeom>
-          </p:spPr>
-          <p:txBody>
-            <a:bodyPr anchor="t" rtlCol="false" tIns="0" lIns="0" bIns="0" rIns="0">
-              <a:spAutoFit/>
-            </a:bodyPr>
-            <a:lstStyle/>
-            <a:p>
-              <a:pPr>
-                <a:lnSpc>
-                  <a:spcPts val="5284"/>
-                </a:lnSpc>
-              </a:pPr>
-              <a:r>
-                <a:rPr lang="en-US" sz="3774" spc="211">
-                  <a:solidFill>
-                    <a:srgbClr val="FFFFFF"/>
-                  </a:solidFill>
-                  <a:latin typeface="Monument Bold"/>
-                </a:rPr>
-                <a:t>Programming languages, framework and libraries</a:t>
-              </a:r>
-            </a:p>
-          </p:txBody>
-        </p:sp>
-      </p:grpSp>
     </p:spTree>
   </p:cSld>
   <p:clrMapOvr>
